--- a/Machine Learning/DTSA 5509 Introduction to Machine Learning Supervised Learning/Final/DTSA 5509 Supervised Learning Project.pptx
+++ b/Machine Learning/DTSA 5509 Introduction to Machine Learning Supervised Learning/Final/DTSA 5509 Supervised Learning Project.pptx
@@ -25,6 +25,7 @@
     <p:sldId id="281" r:id="rId19"/>
     <p:sldId id="282" r:id="rId20"/>
     <p:sldId id="283" r:id="rId21"/>
+    <p:sldId id="284" r:id="rId22"/>
   </p:sldIdLst>
   <p:sldSz cx="12192000" cy="6858000"/>
   <p:notesSz cx="6858000" cy="9144000"/>
@@ -1354,7 +1355,7 @@
           <a:p>
             <a:fld id="{FD2659AA-249A-4294-A136-074ADCE92F9B}" type="datetimeFigureOut">
               <a:rPr lang="en-US" smtClean="0"/>
-              <a:t>5/8/2025</a:t>
+              <a:t>5/11/2025</a:t>
             </a:fld>
             <a:endParaRPr lang="en-US"/>
           </a:p>
@@ -1629,7 +1630,7 @@
           <a:p>
             <a:fld id="{FD2659AA-249A-4294-A136-074ADCE92F9B}" type="datetimeFigureOut">
               <a:rPr lang="en-US" smtClean="0"/>
-              <a:t>5/8/2025</a:t>
+              <a:t>5/11/2025</a:t>
             </a:fld>
             <a:endParaRPr lang="en-US"/>
           </a:p>
@@ -1823,7 +1824,7 @@
           <a:p>
             <a:fld id="{FD2659AA-249A-4294-A136-074ADCE92F9B}" type="datetimeFigureOut">
               <a:rPr lang="en-US" smtClean="0"/>
-              <a:t>5/8/2025</a:t>
+              <a:t>5/11/2025</a:t>
             </a:fld>
             <a:endParaRPr lang="en-US"/>
           </a:p>
@@ -2096,7 +2097,7 @@
           <a:p>
             <a:fld id="{FD2659AA-249A-4294-A136-074ADCE92F9B}" type="datetimeFigureOut">
               <a:rPr lang="en-US" smtClean="0"/>
-              <a:t>5/8/2025</a:t>
+              <a:t>5/11/2025</a:t>
             </a:fld>
             <a:endParaRPr lang="en-US"/>
           </a:p>
@@ -2437,7 +2438,7 @@
           <a:p>
             <a:fld id="{FD2659AA-249A-4294-A136-074ADCE92F9B}" type="datetimeFigureOut">
               <a:rPr lang="en-US" smtClean="0"/>
-              <a:t>5/8/2025</a:t>
+              <a:t>5/11/2025</a:t>
             </a:fld>
             <a:endParaRPr lang="en-US"/>
           </a:p>
@@ -3060,7 +3061,7 @@
           <a:p>
             <a:fld id="{FD2659AA-249A-4294-A136-074ADCE92F9B}" type="datetimeFigureOut">
               <a:rPr lang="en-US" smtClean="0"/>
-              <a:t>5/8/2025</a:t>
+              <a:t>5/11/2025</a:t>
             </a:fld>
             <a:endParaRPr lang="en-US"/>
           </a:p>
@@ -3920,7 +3921,7 @@
           <a:p>
             <a:fld id="{FD2659AA-249A-4294-A136-074ADCE92F9B}" type="datetimeFigureOut">
               <a:rPr lang="en-US" smtClean="0"/>
-              <a:t>5/8/2025</a:t>
+              <a:t>5/11/2025</a:t>
             </a:fld>
             <a:endParaRPr lang="en-US"/>
           </a:p>
@@ -4090,7 +4091,7 @@
           <a:p>
             <a:fld id="{FD2659AA-249A-4294-A136-074ADCE92F9B}" type="datetimeFigureOut">
               <a:rPr lang="en-US" smtClean="0"/>
-              <a:t>5/8/2025</a:t>
+              <a:t>5/11/2025</a:t>
             </a:fld>
             <a:endParaRPr lang="en-US"/>
           </a:p>
@@ -4270,7 +4271,7 @@
           <a:p>
             <a:fld id="{FD2659AA-249A-4294-A136-074ADCE92F9B}" type="datetimeFigureOut">
               <a:rPr lang="en-US" smtClean="0"/>
-              <a:t>5/8/2025</a:t>
+              <a:t>5/11/2025</a:t>
             </a:fld>
             <a:endParaRPr lang="en-US"/>
           </a:p>
@@ -4440,7 +4441,7 @@
           <a:p>
             <a:fld id="{FD2659AA-249A-4294-A136-074ADCE92F9B}" type="datetimeFigureOut">
               <a:rPr lang="en-US" smtClean="0"/>
-              <a:t>5/8/2025</a:t>
+              <a:t>5/11/2025</a:t>
             </a:fld>
             <a:endParaRPr lang="en-US"/>
           </a:p>
@@ -4687,7 +4688,7 @@
           <a:p>
             <a:fld id="{FD2659AA-249A-4294-A136-074ADCE92F9B}" type="datetimeFigureOut">
               <a:rPr lang="en-US" smtClean="0"/>
-              <a:t>5/8/2025</a:t>
+              <a:t>5/11/2025</a:t>
             </a:fld>
             <a:endParaRPr lang="en-US"/>
           </a:p>
@@ -4979,7 +4980,7 @@
           <a:p>
             <a:fld id="{FD2659AA-249A-4294-A136-074ADCE92F9B}" type="datetimeFigureOut">
               <a:rPr lang="en-US" smtClean="0"/>
-              <a:t>5/8/2025</a:t>
+              <a:t>5/11/2025</a:t>
             </a:fld>
             <a:endParaRPr lang="en-US"/>
           </a:p>
@@ -5423,7 +5424,7 @@
           <a:p>
             <a:fld id="{FD2659AA-249A-4294-A136-074ADCE92F9B}" type="datetimeFigureOut">
               <a:rPr lang="en-US" smtClean="0"/>
-              <a:t>5/8/2025</a:t>
+              <a:t>5/11/2025</a:t>
             </a:fld>
             <a:endParaRPr lang="en-US"/>
           </a:p>
@@ -5541,7 +5542,7 @@
           <a:p>
             <a:fld id="{FD2659AA-249A-4294-A136-074ADCE92F9B}" type="datetimeFigureOut">
               <a:rPr lang="en-US" smtClean="0"/>
-              <a:t>5/8/2025</a:t>
+              <a:t>5/11/2025</a:t>
             </a:fld>
             <a:endParaRPr lang="en-US"/>
           </a:p>
@@ -5636,7 +5637,7 @@
           <a:p>
             <a:fld id="{FD2659AA-249A-4294-A136-074ADCE92F9B}" type="datetimeFigureOut">
               <a:rPr lang="en-US" smtClean="0"/>
-              <a:t>5/8/2025</a:t>
+              <a:t>5/11/2025</a:t>
             </a:fld>
             <a:endParaRPr lang="en-US"/>
           </a:p>
@@ -5915,7 +5916,7 @@
           <a:p>
             <a:fld id="{FD2659AA-249A-4294-A136-074ADCE92F9B}" type="datetimeFigureOut">
               <a:rPr lang="en-US" smtClean="0"/>
-              <a:t>5/8/2025</a:t>
+              <a:t>5/11/2025</a:t>
             </a:fld>
             <a:endParaRPr lang="en-US"/>
           </a:p>
@@ -6190,7 +6191,7 @@
           <a:p>
             <a:fld id="{FD2659AA-249A-4294-A136-074ADCE92F9B}" type="datetimeFigureOut">
               <a:rPr lang="en-US" smtClean="0"/>
-              <a:t>5/8/2025</a:t>
+              <a:t>5/11/2025</a:t>
             </a:fld>
             <a:endParaRPr lang="en-US"/>
           </a:p>
@@ -6619,7 +6620,7 @@
           <a:p>
             <a:fld id="{FD2659AA-249A-4294-A136-074ADCE92F9B}" type="datetimeFigureOut">
               <a:rPr lang="en-US" smtClean="0"/>
-              <a:t>5/8/2025</a:t>
+              <a:t>5/11/2025</a:t>
             </a:fld>
             <a:endParaRPr lang="en-US"/>
           </a:p>
@@ -9858,15 +9859,22 @@
           <a:lstStyle/>
           <a:p>
             <a:r>
-              <a:rPr lang="en-US" dirty="0"/>
-              <a:t>Predict the redo ablation outcome</a:t>
-            </a:r>
-          </a:p>
-          <a:p>
-            <a:r>
-              <a:rPr lang="en-US" dirty="0"/>
-              <a:t>Create a clinical scoring tool to predict risk of redo ablation</a:t>
-            </a:r>
+              <a:rPr lang="en-US" b="0" i="0" dirty="0">
+                <a:effectLst/>
+                <a:latin typeface="system-ui"/>
+              </a:rPr>
+              <a:t>Predict Redo Ablation Using Supervised Machine Learning Build and evaluate predictive models (e.g., logistic regression, random forests, neural networks) to identify patients at risk for redo ablation</a:t>
+            </a:r>
+          </a:p>
+          <a:p>
+            <a:r>
+              <a:rPr lang="en-US" b="0" i="0" dirty="0">
+                <a:effectLst/>
+                <a:latin typeface="system-ui"/>
+              </a:rPr>
+              <a:t>Develop a Clinically Interpretable Risk Score Derive and validate a point-based clinical risk score from model features to aid clinicians in assessing the likelihood of redo ablation, facilitating real-time decision-making and patient stratification</a:t>
+            </a:r>
+            <a:endParaRPr lang="en-US" dirty="0"/>
           </a:p>
         </p:txBody>
       </p:sp>
@@ -10072,6 +10080,93 @@
 </p:sld>
 </file>
 
+<file path=ppt/slides/slide21.xml><?xml version="1.0" encoding="utf-8"?>
+<p:sld xmlns:a="http://schemas.openxmlformats.org/drawingml/2006/main" xmlns:r="http://schemas.openxmlformats.org/officeDocument/2006/relationships" xmlns:p="http://schemas.openxmlformats.org/presentationml/2006/main">
+  <p:cSld>
+    <p:spTree>
+      <p:nvGrpSpPr>
+        <p:cNvPr id="1" name=""/>
+        <p:cNvGrpSpPr/>
+        <p:nvPr/>
+      </p:nvGrpSpPr>
+      <p:grpSpPr>
+        <a:xfrm>
+          <a:off x="0" y="0"/>
+          <a:ext cx="0" cy="0"/>
+          <a:chOff x="0" y="0"/>
+          <a:chExt cx="0" cy="0"/>
+        </a:xfrm>
+      </p:grpSpPr>
+      <p:sp>
+        <p:nvSpPr>
+          <p:cNvPr id="2" name="Title 1">
+            <a:extLst>
+              <a:ext uri="{FF2B5EF4-FFF2-40B4-BE49-F238E27FC236}">
+                <a16:creationId xmlns:a16="http://schemas.microsoft.com/office/drawing/2014/main" id="{27AB4BFF-6BB1-84E0-3C66-382474DE9514}"/>
+              </a:ext>
+            </a:extLst>
+          </p:cNvPr>
+          <p:cNvSpPr>
+            <a:spLocks noGrp="1"/>
+          </p:cNvSpPr>
+          <p:nvPr>
+            <p:ph type="title"/>
+          </p:nvPr>
+        </p:nvSpPr>
+        <p:spPr/>
+        <p:txBody>
+          <a:bodyPr/>
+          <a:lstStyle/>
+          <a:p>
+            <a:r>
+              <a:rPr lang="en-US" dirty="0" err="1"/>
+              <a:t>Github</a:t>
+            </a:r>
+            <a:endParaRPr lang="en-US" dirty="0"/>
+          </a:p>
+        </p:txBody>
+      </p:sp>
+      <p:sp>
+        <p:nvSpPr>
+          <p:cNvPr id="3" name="Content Placeholder 2">
+            <a:extLst>
+              <a:ext uri="{FF2B5EF4-FFF2-40B4-BE49-F238E27FC236}">
+                <a16:creationId xmlns:a16="http://schemas.microsoft.com/office/drawing/2014/main" id="{F6DA798D-1DC3-5C56-7ACB-06D476199F87}"/>
+              </a:ext>
+            </a:extLst>
+          </p:cNvPr>
+          <p:cNvSpPr>
+            <a:spLocks noGrp="1"/>
+          </p:cNvSpPr>
+          <p:nvPr>
+            <p:ph idx="1"/>
+          </p:nvPr>
+        </p:nvSpPr>
+        <p:spPr/>
+        <p:txBody>
+          <a:bodyPr/>
+          <a:lstStyle/>
+          <a:p>
+            <a:r>
+              <a:rPr lang="en-US" dirty="0"/>
+              <a:t>https://github.com/Vorlon41/Master-of-Data-Science-CU-Boulder-Colorado/tree/main/Machine%20Learning/DTSA%205509%20Introduction%20to%20Machine%20Learning%20Supervised%20Learning/Final</a:t>
+            </a:r>
+          </a:p>
+        </p:txBody>
+      </p:sp>
+    </p:spTree>
+    <p:extLst>
+      <p:ext uri="{BB962C8B-B14F-4D97-AF65-F5344CB8AC3E}">
+        <p14:creationId xmlns:p14="http://schemas.microsoft.com/office/powerpoint/2010/main" val="1267806784"/>
+      </p:ext>
+    </p:extLst>
+  </p:cSld>
+  <p:clrMapOvr>
+    <a:masterClrMapping/>
+  </p:clrMapOvr>
+</p:sld>
+</file>
+
 <file path=ppt/slides/slide3.xml><?xml version="1.0" encoding="utf-8"?>
 <p:sld xmlns:a="http://schemas.openxmlformats.org/drawingml/2006/main" xmlns:r="http://schemas.openxmlformats.org/officeDocument/2006/relationships" xmlns:p="http://schemas.openxmlformats.org/presentationml/2006/main">
   <p:cSld>
@@ -10346,15 +10441,7 @@
           <a:p>
             <a:r>
               <a:rPr lang="en-US" dirty="0"/>
-              <a:t>For columns with multiple </a:t>
-            </a:r>
-            <a:r>
-              <a:rPr lang="en-US" dirty="0" err="1"/>
-              <a:t>categorigal</a:t>
-            </a:r>
-            <a:r>
-              <a:rPr lang="en-US" dirty="0"/>
-              <a:t> values</a:t>
+              <a:t>For columns with multiple categorical values</a:t>
             </a:r>
           </a:p>
           <a:p>
@@ -10613,14 +10700,14 @@
             <a:pPr lvl="1"/>
             <a:r>
               <a:rPr lang="en-US" dirty="0"/>
-              <a:t>PVI</a:t>
+              <a:t>PVI: p &lt; 0.001</a:t>
             </a:r>
           </a:p>
           <a:p>
             <a:pPr lvl="1"/>
             <a:r>
               <a:rPr lang="en-US" dirty="0"/>
-              <a:t>CTI</a:t>
+              <a:t>CTI: p &lt; 0.001</a:t>
             </a:r>
           </a:p>
           <a:p>
@@ -10631,28 +10718,28 @@
             </a:r>
             <a:r>
               <a:rPr lang="en-US" dirty="0"/>
-              <a:t> dx</a:t>
+              <a:t> dx: p 0.0392</a:t>
             </a:r>
           </a:p>
           <a:p>
             <a:pPr lvl="1"/>
             <a:r>
               <a:rPr lang="en-US" dirty="0"/>
-              <a:t>Holter after ablation for AF</a:t>
+              <a:t>Holter after ablation for AF: p &lt; 0.001</a:t>
             </a:r>
           </a:p>
           <a:p>
             <a:pPr lvl="1"/>
             <a:r>
               <a:rPr lang="en-US" dirty="0"/>
-              <a:t>Holter for palpitation</a:t>
+              <a:t>Holter for palpitation: &lt; 0.001</a:t>
             </a:r>
           </a:p>
           <a:p>
             <a:pPr lvl="1"/>
             <a:r>
               <a:rPr lang="en-US" dirty="0"/>
-              <a:t>AF non AF type</a:t>
+              <a:t>AF non AF type: &lt; 0.001</a:t>
             </a:r>
           </a:p>
         </p:txBody>

--- a/Machine Learning/DTSA 5509 Introduction to Machine Learning Supervised Learning/Final/DTSA 5509 Supervised Learning Project.pptx
+++ b/Machine Learning/DTSA 5509 Introduction to Machine Learning Supervised Learning/Final/DTSA 5509 Supervised Learning Project.pptx
@@ -21,11 +21,11 @@
     <p:sldId id="274" r:id="rId15"/>
     <p:sldId id="279" r:id="rId16"/>
     <p:sldId id="277" r:id="rId17"/>
-    <p:sldId id="280" r:id="rId18"/>
-    <p:sldId id="281" r:id="rId19"/>
-    <p:sldId id="282" r:id="rId20"/>
-    <p:sldId id="283" r:id="rId21"/>
-    <p:sldId id="284" r:id="rId22"/>
+    <p:sldId id="284" r:id="rId18"/>
+    <p:sldId id="280" r:id="rId19"/>
+    <p:sldId id="281" r:id="rId20"/>
+    <p:sldId id="282" r:id="rId21"/>
+    <p:sldId id="283" r:id="rId22"/>
   </p:sldIdLst>
   <p:sldSz cx="12192000" cy="6858000"/>
   <p:notesSz cx="6858000" cy="9144000"/>
@@ -137,7 +137,7 @@
   <pc:docChgLst>
     <pc:chgData name="Chris Jenks" userId="432a57668e10b77d" providerId="LiveId" clId="{3267F855-8BB6-4E69-B691-AB02689B6037}"/>
     <pc:docChg chg="undo custSel addSld delSld modSld">
-      <pc:chgData name="Chris Jenks" userId="432a57668e10b77d" providerId="LiveId" clId="{3267F855-8BB6-4E69-B691-AB02689B6037}" dt="2025-05-08T19:44:10.940" v="1336" actId="20577"/>
+      <pc:chgData name="Chris Jenks" userId="432a57668e10b77d" providerId="LiveId" clId="{3267F855-8BB6-4E69-B691-AB02689B6037}" dt="2025-05-12T04:19:06.782" v="2109" actId="27636"/>
       <pc:docMkLst>
         <pc:docMk/>
       </pc:docMkLst>
@@ -285,46 +285,6 @@
           <pc:docMk/>
           <pc:sldMk cId="2754184460" sldId="262"/>
         </pc:sldMkLst>
-        <pc:spChg chg="mod">
-          <ac:chgData name="Chris Jenks" userId="432a57668e10b77d" providerId="LiveId" clId="{3267F855-8BB6-4E69-B691-AB02689B6037}" dt="2025-05-08T16:33:45.152" v="153" actId="20577"/>
-          <ac:spMkLst>
-            <pc:docMk/>
-            <pc:sldMk cId="2754184460" sldId="262"/>
-            <ac:spMk id="2" creationId="{5F46C084-C75F-725E-137E-D6411D5F7427}"/>
-          </ac:spMkLst>
-        </pc:spChg>
-        <pc:spChg chg="del">
-          <ac:chgData name="Chris Jenks" userId="432a57668e10b77d" providerId="LiveId" clId="{3267F855-8BB6-4E69-B691-AB02689B6037}" dt="2025-05-08T16:31:29.777" v="2"/>
-          <ac:spMkLst>
-            <pc:docMk/>
-            <pc:sldMk cId="2754184460" sldId="262"/>
-            <ac:spMk id="3" creationId="{62575D6C-1D56-4018-BB98-9775174CBF79}"/>
-          </ac:spMkLst>
-        </pc:spChg>
-        <pc:spChg chg="add mod">
-          <ac:chgData name="Chris Jenks" userId="432a57668e10b77d" providerId="LiveId" clId="{3267F855-8BB6-4E69-B691-AB02689B6037}" dt="2025-05-08T16:34:26.184" v="184" actId="20577"/>
-          <ac:spMkLst>
-            <pc:docMk/>
-            <pc:sldMk cId="2754184460" sldId="262"/>
-            <ac:spMk id="7" creationId="{2458782C-B0D4-6862-58D4-9A9A1DB1D0EA}"/>
-          </ac:spMkLst>
-        </pc:spChg>
-        <pc:picChg chg="add del mod">
-          <ac:chgData name="Chris Jenks" userId="432a57668e10b77d" providerId="LiveId" clId="{3267F855-8BB6-4E69-B691-AB02689B6037}" dt="2025-05-08T16:31:31.902" v="3" actId="21"/>
-          <ac:picMkLst>
-            <pc:docMk/>
-            <pc:sldMk cId="2754184460" sldId="262"/>
-            <ac:picMk id="5" creationId="{0514D26C-164B-4C36-C351-78376C0178F8}"/>
-          </ac:picMkLst>
-        </pc:picChg>
-        <pc:picChg chg="add mod">
-          <ac:chgData name="Chris Jenks" userId="432a57668e10b77d" providerId="LiveId" clId="{3267F855-8BB6-4E69-B691-AB02689B6037}" dt="2025-05-08T16:34:15.251" v="163" actId="1076"/>
-          <ac:picMkLst>
-            <pc:docMk/>
-            <pc:sldMk cId="2754184460" sldId="262"/>
-            <ac:picMk id="8" creationId="{C4992AC6-1CAC-31CE-C1BA-A080C22213FC}"/>
-          </ac:picMkLst>
-        </pc:picChg>
       </pc:sldChg>
       <pc:sldChg chg="addSp delSp modSp new del mod">
         <pc:chgData name="Chris Jenks" userId="432a57668e10b77d" providerId="LiveId" clId="{3267F855-8BB6-4E69-B691-AB02689B6037}" dt="2025-05-08T16:38:20.588" v="292" actId="47"/>
@@ -332,70 +292,6 @@
           <pc:docMk/>
           <pc:sldMk cId="437112783" sldId="263"/>
         </pc:sldMkLst>
-        <pc:spChg chg="mod">
-          <ac:chgData name="Chris Jenks" userId="432a57668e10b77d" providerId="LiveId" clId="{3267F855-8BB6-4E69-B691-AB02689B6037}" dt="2025-05-08T16:38:19.163" v="291" actId="21"/>
-          <ac:spMkLst>
-            <pc:docMk/>
-            <pc:sldMk cId="437112783" sldId="263"/>
-            <ac:spMk id="2" creationId="{22E4F841-303D-CCA6-AE3C-4B8D6FC92252}"/>
-          </ac:spMkLst>
-        </pc:spChg>
-        <pc:spChg chg="del">
-          <ac:chgData name="Chris Jenks" userId="432a57668e10b77d" providerId="LiveId" clId="{3267F855-8BB6-4E69-B691-AB02689B6037}" dt="2025-05-08T16:33:49.191" v="155"/>
-          <ac:spMkLst>
-            <pc:docMk/>
-            <pc:sldMk cId="437112783" sldId="263"/>
-            <ac:spMk id="3" creationId="{7C8F8FB4-FA96-8795-26F2-A827BFDA99BE}"/>
-          </ac:spMkLst>
-        </pc:spChg>
-        <pc:spChg chg="add mod">
-          <ac:chgData name="Chris Jenks" userId="432a57668e10b77d" providerId="LiveId" clId="{3267F855-8BB6-4E69-B691-AB02689B6037}" dt="2025-05-08T16:37:35.920" v="269" actId="14100"/>
-          <ac:spMkLst>
-            <pc:docMk/>
-            <pc:sldMk cId="437112783" sldId="263"/>
-            <ac:spMk id="7" creationId="{1EB45CE7-53CF-1B00-BE8A-80C5750EB134}"/>
-          </ac:spMkLst>
-        </pc:spChg>
-        <pc:spChg chg="add">
-          <ac:chgData name="Chris Jenks" userId="432a57668e10b77d" providerId="LiveId" clId="{3267F855-8BB6-4E69-B691-AB02689B6037}" dt="2025-05-08T16:36:37.108" v="260"/>
-          <ac:spMkLst>
-            <pc:docMk/>
-            <pc:sldMk cId="437112783" sldId="263"/>
-            <ac:spMk id="8" creationId="{9BA57D59-29D2-09B6-5FE2-6091F06BC409}"/>
-          </ac:spMkLst>
-        </pc:spChg>
-        <pc:spChg chg="add">
-          <ac:chgData name="Chris Jenks" userId="432a57668e10b77d" providerId="LiveId" clId="{3267F855-8BB6-4E69-B691-AB02689B6037}" dt="2025-05-08T16:36:44.593" v="261"/>
-          <ac:spMkLst>
-            <pc:docMk/>
-            <pc:sldMk cId="437112783" sldId="263"/>
-            <ac:spMk id="9" creationId="{4E42B4EE-08E5-9C46-CD1C-8AAC37CAFAAD}"/>
-          </ac:spMkLst>
-        </pc:spChg>
-        <pc:picChg chg="add del mod">
-          <ac:chgData name="Chris Jenks" userId="432a57668e10b77d" providerId="LiveId" clId="{3267F855-8BB6-4E69-B691-AB02689B6037}" dt="2025-05-08T16:33:50.482" v="156" actId="21"/>
-          <ac:picMkLst>
-            <pc:docMk/>
-            <pc:sldMk cId="437112783" sldId="263"/>
-            <ac:picMk id="5" creationId="{C4992AC6-1CAC-31CE-C1BA-A080C22213FC}"/>
-          </ac:picMkLst>
-        </pc:picChg>
-        <pc:picChg chg="add del mod">
-          <ac:chgData name="Chris Jenks" userId="432a57668e10b77d" providerId="LiveId" clId="{3267F855-8BB6-4E69-B691-AB02689B6037}" dt="2025-05-08T16:37:34.777" v="268" actId="1076"/>
-          <ac:picMkLst>
-            <pc:docMk/>
-            <pc:sldMk cId="437112783" sldId="263"/>
-            <ac:picMk id="11" creationId="{984D9B1E-C26D-207A-6EB8-1156FC6558B8}"/>
-          </ac:picMkLst>
-        </pc:picChg>
-        <pc:picChg chg="add del mod">
-          <ac:chgData name="Chris Jenks" userId="432a57668e10b77d" providerId="LiveId" clId="{3267F855-8BB6-4E69-B691-AB02689B6037}" dt="2025-05-08T16:37:48.376" v="272" actId="21"/>
-          <ac:picMkLst>
-            <pc:docMk/>
-            <pc:sldMk cId="437112783" sldId="263"/>
-            <ac:picMk id="12" creationId="{984D9B1E-C26D-207A-6EB8-1156FC6558B8}"/>
-          </ac:picMkLst>
-        </pc:picChg>
       </pc:sldChg>
       <pc:sldChg chg="new del">
         <pc:chgData name="Chris Jenks" userId="432a57668e10b77d" providerId="LiveId" clId="{3267F855-8BB6-4E69-B691-AB02689B6037}" dt="2025-05-08T16:34:49.034" v="188" actId="47"/>
@@ -436,7 +332,7 @@
         </pc:picChg>
       </pc:sldChg>
       <pc:sldChg chg="addSp modSp new mod">
-        <pc:chgData name="Chris Jenks" userId="432a57668e10b77d" providerId="LiveId" clId="{3267F855-8BB6-4E69-B691-AB02689B6037}" dt="2025-05-08T19:42:09.353" v="1281"/>
+        <pc:chgData name="Chris Jenks" userId="432a57668e10b77d" providerId="LiveId" clId="{3267F855-8BB6-4E69-B691-AB02689B6037}" dt="2025-05-12T03:54:54.175" v="1418" actId="20577"/>
         <pc:sldMkLst>
           <pc:docMk/>
           <pc:sldMk cId="570593" sldId="270"/>
@@ -450,7 +346,7 @@
           </ac:spMkLst>
         </pc:spChg>
         <pc:spChg chg="mod">
-          <ac:chgData name="Chris Jenks" userId="432a57668e10b77d" providerId="LiveId" clId="{3267F855-8BB6-4E69-B691-AB02689B6037}" dt="2025-05-08T16:37:51.790" v="273" actId="14100"/>
+          <ac:chgData name="Chris Jenks" userId="432a57668e10b77d" providerId="LiveId" clId="{3267F855-8BB6-4E69-B691-AB02689B6037}" dt="2025-05-12T03:54:54.175" v="1418" actId="20577"/>
           <ac:spMkLst>
             <pc:docMk/>
             <pc:sldMk cId="570593" sldId="270"/>
@@ -467,7 +363,7 @@
         </pc:picChg>
       </pc:sldChg>
       <pc:sldChg chg="addSp delSp modSp new mod">
-        <pc:chgData name="Chris Jenks" userId="432a57668e10b77d" providerId="LiveId" clId="{3267F855-8BB6-4E69-B691-AB02689B6037}" dt="2025-05-08T19:42:09.353" v="1281"/>
+        <pc:chgData name="Chris Jenks" userId="432a57668e10b77d" providerId="LiveId" clId="{3267F855-8BB6-4E69-B691-AB02689B6037}" dt="2025-05-12T03:56:46.848" v="1486" actId="20577"/>
         <pc:sldMkLst>
           <pc:docMk/>
           <pc:sldMk cId="43447030" sldId="271"/>
@@ -481,21 +377,13 @@
           </ac:spMkLst>
         </pc:spChg>
         <pc:spChg chg="add del mod">
-          <ac:chgData name="Chris Jenks" userId="432a57668e10b77d" providerId="LiveId" clId="{3267F855-8BB6-4E69-B691-AB02689B6037}" dt="2025-05-08T16:39:50.148" v="355" actId="20577"/>
+          <ac:chgData name="Chris Jenks" userId="432a57668e10b77d" providerId="LiveId" clId="{3267F855-8BB6-4E69-B691-AB02689B6037}" dt="2025-05-12T03:56:46.848" v="1486" actId="20577"/>
           <ac:spMkLst>
             <pc:docMk/>
             <pc:sldMk cId="43447030" sldId="271"/>
             <ac:spMk id="3" creationId="{D0E0BCD8-78BA-47D3-1E5A-FF5261410542}"/>
           </ac:spMkLst>
         </pc:spChg>
-        <pc:picChg chg="add mod">
-          <ac:chgData name="Chris Jenks" userId="432a57668e10b77d" providerId="LiveId" clId="{3267F855-8BB6-4E69-B691-AB02689B6037}" dt="2025-05-08T16:39:13.240" v="311"/>
-          <ac:picMkLst>
-            <pc:docMk/>
-            <pc:sldMk cId="43447030" sldId="271"/>
-            <ac:picMk id="5" creationId="{E8B4B2F5-06A5-F25E-BB36-06E25C97F86B}"/>
-          </ac:picMkLst>
-        </pc:picChg>
         <pc:picChg chg="add mod">
           <ac:chgData name="Chris Jenks" userId="432a57668e10b77d" providerId="LiveId" clId="{3267F855-8BB6-4E69-B691-AB02689B6037}" dt="2025-05-08T16:39:24.271" v="316" actId="14100"/>
           <ac:picMkLst>
@@ -506,7 +394,7 @@
         </pc:picChg>
       </pc:sldChg>
       <pc:sldChg chg="addSp delSp modSp new mod">
-        <pc:chgData name="Chris Jenks" userId="432a57668e10b77d" providerId="LiveId" clId="{3267F855-8BB6-4E69-B691-AB02689B6037}" dt="2025-05-08T19:42:09.353" v="1281"/>
+        <pc:chgData name="Chris Jenks" userId="432a57668e10b77d" providerId="LiveId" clId="{3267F855-8BB6-4E69-B691-AB02689B6037}" dt="2025-05-12T03:58:32.381" v="1659" actId="20577"/>
         <pc:sldMkLst>
           <pc:docMk/>
           <pc:sldMk cId="92786512" sldId="272"/>
@@ -519,30 +407,14 @@
             <ac:spMk id="2" creationId="{D2890E55-577A-C81C-30EC-C89E69F6950F}"/>
           </ac:spMkLst>
         </pc:spChg>
-        <pc:spChg chg="del">
-          <ac:chgData name="Chris Jenks" userId="432a57668e10b77d" providerId="LiveId" clId="{3267F855-8BB6-4E69-B691-AB02689B6037}" dt="2025-05-08T16:39:16.038" v="312"/>
-          <ac:spMkLst>
-            <pc:docMk/>
-            <pc:sldMk cId="92786512" sldId="272"/>
-            <ac:spMk id="3" creationId="{54FC51F3-61E8-D4AB-BD1E-EFDBABFD96A9}"/>
-          </ac:spMkLst>
-        </pc:spChg>
         <pc:spChg chg="add mod">
-          <ac:chgData name="Chris Jenks" userId="432a57668e10b77d" providerId="LiveId" clId="{3267F855-8BB6-4E69-B691-AB02689B6037}" dt="2025-05-08T16:41:36.843" v="434" actId="20577"/>
+          <ac:chgData name="Chris Jenks" userId="432a57668e10b77d" providerId="LiveId" clId="{3267F855-8BB6-4E69-B691-AB02689B6037}" dt="2025-05-12T03:58:32.381" v="1659" actId="20577"/>
           <ac:spMkLst>
             <pc:docMk/>
             <pc:sldMk cId="92786512" sldId="272"/>
             <ac:spMk id="7" creationId="{6B2B5212-5EB7-C184-39C7-5364022A341F}"/>
           </ac:spMkLst>
         </pc:spChg>
-        <pc:picChg chg="add del mod">
-          <ac:chgData name="Chris Jenks" userId="432a57668e10b77d" providerId="LiveId" clId="{3267F855-8BB6-4E69-B691-AB02689B6037}" dt="2025-05-08T16:39:17.388" v="313" actId="21"/>
-          <ac:picMkLst>
-            <pc:docMk/>
-            <pc:sldMk cId="92786512" sldId="272"/>
-            <ac:picMk id="5" creationId="{B38D626C-2128-C4AF-78BD-0455A6C85598}"/>
-          </ac:picMkLst>
-        </pc:picChg>
         <pc:picChg chg="add mod">
           <ac:chgData name="Chris Jenks" userId="432a57668e10b77d" providerId="LiveId" clId="{3267F855-8BB6-4E69-B691-AB02689B6037}" dt="2025-05-08T16:41:01.230" v="382" actId="1076"/>
           <ac:picMkLst>
@@ -553,7 +425,7 @@
         </pc:picChg>
       </pc:sldChg>
       <pc:sldChg chg="addSp delSp modSp new mod">
-        <pc:chgData name="Chris Jenks" userId="432a57668e10b77d" providerId="LiveId" clId="{3267F855-8BB6-4E69-B691-AB02689B6037}" dt="2025-05-08T19:42:09.353" v="1281"/>
+        <pc:chgData name="Chris Jenks" userId="432a57668e10b77d" providerId="LiveId" clId="{3267F855-8BB6-4E69-B691-AB02689B6037}" dt="2025-05-12T04:00:28.326" v="1785" actId="20577"/>
         <pc:sldMkLst>
           <pc:docMk/>
           <pc:sldMk cId="4271447008" sldId="273"/>
@@ -566,30 +438,14 @@
             <ac:spMk id="2" creationId="{9194EA49-E8AD-7583-E072-DE40DF86F733}"/>
           </ac:spMkLst>
         </pc:spChg>
-        <pc:spChg chg="del">
-          <ac:chgData name="Chris Jenks" userId="432a57668e10b77d" providerId="LiveId" clId="{3267F855-8BB6-4E69-B691-AB02689B6037}" dt="2025-05-08T16:40:52.165" v="377"/>
-          <ac:spMkLst>
-            <pc:docMk/>
-            <pc:sldMk cId="4271447008" sldId="273"/>
-            <ac:spMk id="3" creationId="{840953D8-80CB-3A1A-6F4D-DF57DCDAF1E8}"/>
-          </ac:spMkLst>
-        </pc:spChg>
         <pc:spChg chg="add mod">
-          <ac:chgData name="Chris Jenks" userId="432a57668e10b77d" providerId="LiveId" clId="{3267F855-8BB6-4E69-B691-AB02689B6037}" dt="2025-05-08T16:42:40.085" v="463" actId="14100"/>
+          <ac:chgData name="Chris Jenks" userId="432a57668e10b77d" providerId="LiveId" clId="{3267F855-8BB6-4E69-B691-AB02689B6037}" dt="2025-05-12T04:00:28.326" v="1785" actId="20577"/>
           <ac:spMkLst>
             <pc:docMk/>
             <pc:sldMk cId="4271447008" sldId="273"/>
             <ac:spMk id="7" creationId="{5C58389E-57F6-ED8B-901D-1CFF59E1F896}"/>
           </ac:spMkLst>
         </pc:spChg>
-        <pc:picChg chg="add del mod">
-          <ac:chgData name="Chris Jenks" userId="432a57668e10b77d" providerId="LiveId" clId="{3267F855-8BB6-4E69-B691-AB02689B6037}" dt="2025-05-08T16:40:53.407" v="379" actId="21"/>
-          <ac:picMkLst>
-            <pc:docMk/>
-            <pc:sldMk cId="4271447008" sldId="273"/>
-            <ac:picMk id="5" creationId="{8495FAA4-6153-94A9-D2FA-6EFBFE878CB7}"/>
-          </ac:picMkLst>
-        </pc:picChg>
         <pc:picChg chg="add mod">
           <ac:chgData name="Chris Jenks" userId="432a57668e10b77d" providerId="LiveId" clId="{3267F855-8BB6-4E69-B691-AB02689B6037}" dt="2025-05-08T16:42:42.736" v="465" actId="1076"/>
           <ac:picMkLst>
@@ -600,7 +456,7 @@
         </pc:picChg>
       </pc:sldChg>
       <pc:sldChg chg="addSp delSp modSp new mod">
-        <pc:chgData name="Chris Jenks" userId="432a57668e10b77d" providerId="LiveId" clId="{3267F855-8BB6-4E69-B691-AB02689B6037}" dt="2025-05-08T19:42:09.496" v="1284" actId="27636"/>
+        <pc:chgData name="Chris Jenks" userId="432a57668e10b77d" providerId="LiveId" clId="{3267F855-8BB6-4E69-B691-AB02689B6037}" dt="2025-05-12T04:04:41.609" v="2017" actId="20577"/>
         <pc:sldMkLst>
           <pc:docMk/>
           <pc:sldMk cId="688861258" sldId="274"/>
@@ -614,21 +470,13 @@
           </ac:spMkLst>
         </pc:spChg>
         <pc:spChg chg="mod">
-          <ac:chgData name="Chris Jenks" userId="432a57668e10b77d" providerId="LiveId" clId="{3267F855-8BB6-4E69-B691-AB02689B6037}" dt="2025-05-08T16:46:25.233" v="623" actId="14100"/>
+          <ac:chgData name="Chris Jenks" userId="432a57668e10b77d" providerId="LiveId" clId="{3267F855-8BB6-4E69-B691-AB02689B6037}" dt="2025-05-12T04:04:41.609" v="2017" actId="20577"/>
           <ac:spMkLst>
             <pc:docMk/>
             <pc:sldMk cId="688861258" sldId="274"/>
             <ac:spMk id="3" creationId="{946DB398-4D7B-4306-0725-76011AA2FA6B}"/>
           </ac:spMkLst>
         </pc:spChg>
-        <pc:picChg chg="add del mod">
-          <ac:chgData name="Chris Jenks" userId="432a57668e10b77d" providerId="LiveId" clId="{3267F855-8BB6-4E69-B691-AB02689B6037}" dt="2025-05-08T19:25:31.162" v="679" actId="1076"/>
-          <ac:picMkLst>
-            <pc:docMk/>
-            <pc:sldMk cId="688861258" sldId="274"/>
-            <ac:picMk id="4" creationId="{33B0D260-8024-B034-B4CD-5DE58BB5F289}"/>
-          </ac:picMkLst>
-        </pc:picChg>
         <pc:picChg chg="add del mod">
           <ac:chgData name="Chris Jenks" userId="432a57668e10b77d" providerId="LiveId" clId="{3267F855-8BB6-4E69-B691-AB02689B6037}" dt="2025-05-08T19:25:32.420" v="681" actId="478"/>
           <ac:picMkLst>
@@ -637,17 +485,9 @@
             <ac:picMk id="5" creationId="{4B6EE12D-A111-7CC3-358D-256E1D6065FB}"/>
           </ac:picMkLst>
         </pc:picChg>
-        <pc:picChg chg="add del mod">
-          <ac:chgData name="Chris Jenks" userId="432a57668e10b77d" providerId="LiveId" clId="{3267F855-8BB6-4E69-B691-AB02689B6037}" dt="2025-05-08T16:45:06.996" v="539" actId="21"/>
-          <ac:picMkLst>
-            <pc:docMk/>
-            <pc:sldMk cId="688861258" sldId="274"/>
-            <ac:picMk id="9" creationId="{CC679264-AB16-ABF6-E429-94B4AC9E18C4}"/>
-          </ac:picMkLst>
-        </pc:picChg>
       </pc:sldChg>
       <pc:sldChg chg="addSp delSp modSp new mod">
-        <pc:chgData name="Chris Jenks" userId="432a57668e10b77d" providerId="LiveId" clId="{3267F855-8BB6-4E69-B691-AB02689B6037}" dt="2025-05-08T19:42:09.353" v="1281"/>
+        <pc:chgData name="Chris Jenks" userId="432a57668e10b77d" providerId="LiveId" clId="{3267F855-8BB6-4E69-B691-AB02689B6037}" dt="2025-05-12T04:01:38.630" v="1854" actId="20577"/>
         <pc:sldMkLst>
           <pc:docMk/>
           <pc:sldMk cId="3609881498" sldId="275"/>
@@ -660,30 +500,14 @@
             <ac:spMk id="2" creationId="{6777869A-25BD-3365-3C3C-07973CD61DEE}"/>
           </ac:spMkLst>
         </pc:spChg>
-        <pc:spChg chg="del">
-          <ac:chgData name="Chris Jenks" userId="432a57668e10b77d" providerId="LiveId" clId="{3267F855-8BB6-4E69-B691-AB02689B6037}" dt="2025-05-08T16:42:35.010" v="461"/>
-          <ac:spMkLst>
-            <pc:docMk/>
-            <pc:sldMk cId="3609881498" sldId="275"/>
-            <ac:spMk id="3" creationId="{A30AC5CE-6576-7FE8-7F72-105412DAADD8}"/>
-          </ac:spMkLst>
-        </pc:spChg>
         <pc:spChg chg="add mod">
-          <ac:chgData name="Chris Jenks" userId="432a57668e10b77d" providerId="LiveId" clId="{3267F855-8BB6-4E69-B691-AB02689B6037}" dt="2025-05-08T16:43:36.641" v="493" actId="14100"/>
+          <ac:chgData name="Chris Jenks" userId="432a57668e10b77d" providerId="LiveId" clId="{3267F855-8BB6-4E69-B691-AB02689B6037}" dt="2025-05-12T04:01:38.630" v="1854" actId="20577"/>
           <ac:spMkLst>
             <pc:docMk/>
             <pc:sldMk cId="3609881498" sldId="275"/>
             <ac:spMk id="7" creationId="{2135F30A-DCE7-394F-1537-C7BF7BA35F2B}"/>
           </ac:spMkLst>
         </pc:spChg>
-        <pc:picChg chg="add del mod">
-          <ac:chgData name="Chris Jenks" userId="432a57668e10b77d" providerId="LiveId" clId="{3267F855-8BB6-4E69-B691-AB02689B6037}" dt="2025-05-08T16:42:36.415" v="462" actId="21"/>
-          <ac:picMkLst>
-            <pc:docMk/>
-            <pc:sldMk cId="3609881498" sldId="275"/>
-            <ac:picMk id="5" creationId="{B0FCF830-2D9C-4413-7D75-71B5C2A7CA8B}"/>
-          </ac:picMkLst>
-        </pc:picChg>
         <pc:picChg chg="add mod">
           <ac:chgData name="Chris Jenks" userId="432a57668e10b77d" providerId="LiveId" clId="{3267F855-8BB6-4E69-B691-AB02689B6037}" dt="2025-05-08T16:43:39.146" v="495" actId="1076"/>
           <ac:picMkLst>
@@ -694,61 +518,29 @@
         </pc:picChg>
       </pc:sldChg>
       <pc:sldChg chg="addSp delSp modSp new mod">
-        <pc:chgData name="Chris Jenks" userId="432a57668e10b77d" providerId="LiveId" clId="{3267F855-8BB6-4E69-B691-AB02689B6037}" dt="2025-05-08T19:42:09.353" v="1281"/>
+        <pc:chgData name="Chris Jenks" userId="432a57668e10b77d" providerId="LiveId" clId="{3267F855-8BB6-4E69-B691-AB02689B6037}" dt="2025-05-12T04:09:50.764" v="2022" actId="14100"/>
         <pc:sldMkLst>
           <pc:docMk/>
           <pc:sldMk cId="3693976216" sldId="276"/>
         </pc:sldMkLst>
         <pc:spChg chg="mod">
-          <ac:chgData name="Chris Jenks" userId="432a57668e10b77d" providerId="LiveId" clId="{3267F855-8BB6-4E69-B691-AB02689B6037}" dt="2025-05-08T19:42:09.353" v="1281"/>
+          <ac:chgData name="Chris Jenks" userId="432a57668e10b77d" providerId="LiveId" clId="{3267F855-8BB6-4E69-B691-AB02689B6037}" dt="2025-05-12T04:09:50.764" v="2022" actId="14100"/>
           <ac:spMkLst>
             <pc:docMk/>
             <pc:sldMk cId="3693976216" sldId="276"/>
             <ac:spMk id="2" creationId="{3A4CB524-3B1A-D8EC-B275-8C2A97D13B85}"/>
           </ac:spMkLst>
         </pc:spChg>
-        <pc:spChg chg="del">
-          <ac:chgData name="Chris Jenks" userId="432a57668e10b77d" providerId="LiveId" clId="{3267F855-8BB6-4E69-B691-AB02689B6037}" dt="2025-05-08T16:43:32.338" v="491"/>
-          <ac:spMkLst>
-            <pc:docMk/>
-            <pc:sldMk cId="3693976216" sldId="276"/>
-            <ac:spMk id="3" creationId="{DF9D55F3-42AA-4B43-4B50-A5CE21E10371}"/>
-          </ac:spMkLst>
-        </pc:spChg>
-        <pc:spChg chg="add del mod">
-          <ac:chgData name="Chris Jenks" userId="432a57668e10b77d" providerId="LiveId" clId="{3267F855-8BB6-4E69-B691-AB02689B6037}" dt="2025-05-08T16:45:02.179" v="536"/>
-          <ac:spMkLst>
-            <pc:docMk/>
-            <pc:sldMk cId="3693976216" sldId="276"/>
-            <ac:spMk id="7" creationId="{F0804A7F-22EB-441A-C093-A1DE601BF16C}"/>
-          </ac:spMkLst>
-        </pc:spChg>
         <pc:spChg chg="add mod">
-          <ac:chgData name="Chris Jenks" userId="432a57668e10b77d" providerId="LiveId" clId="{3267F855-8BB6-4E69-B691-AB02689B6037}" dt="2025-05-08T16:45:12.670" v="540" actId="14100"/>
+          <ac:chgData name="Chris Jenks" userId="432a57668e10b77d" providerId="LiveId" clId="{3267F855-8BB6-4E69-B691-AB02689B6037}" dt="2025-05-12T04:03:38.910" v="1983" actId="1076"/>
           <ac:spMkLst>
             <pc:docMk/>
             <pc:sldMk cId="3693976216" sldId="276"/>
             <ac:spMk id="11" creationId="{F9FC162D-7439-B009-0762-EF336CDE3D2D}"/>
           </ac:spMkLst>
         </pc:spChg>
-        <pc:picChg chg="add del mod">
-          <ac:chgData name="Chris Jenks" userId="432a57668e10b77d" providerId="LiveId" clId="{3267F855-8BB6-4E69-B691-AB02689B6037}" dt="2025-05-08T16:43:33.225" v="492" actId="21"/>
-          <ac:picMkLst>
-            <pc:docMk/>
-            <pc:sldMk cId="3693976216" sldId="276"/>
-            <ac:picMk id="5" creationId="{A0F97AAD-6915-D58A-8151-E04A37531084}"/>
-          </ac:picMkLst>
-        </pc:picChg>
-        <pc:picChg chg="add del mod">
-          <ac:chgData name="Chris Jenks" userId="432a57668e10b77d" providerId="LiveId" clId="{3267F855-8BB6-4E69-B691-AB02689B6037}" dt="2025-05-08T16:45:03.117" v="537" actId="21"/>
-          <ac:picMkLst>
-            <pc:docMk/>
-            <pc:sldMk cId="3693976216" sldId="276"/>
-            <ac:picMk id="9" creationId="{CC679264-AB16-ABF6-E429-94B4AC9E18C4}"/>
-          </ac:picMkLst>
-        </pc:picChg>
         <pc:picChg chg="add mod">
-          <ac:chgData name="Chris Jenks" userId="432a57668e10b77d" providerId="LiveId" clId="{3267F855-8BB6-4E69-B691-AB02689B6037}" dt="2025-05-08T16:45:15.196" v="542" actId="1076"/>
+          <ac:chgData name="Chris Jenks" userId="432a57668e10b77d" providerId="LiveId" clId="{3267F855-8BB6-4E69-B691-AB02689B6037}" dt="2025-05-12T04:03:41.391" v="1984" actId="1076"/>
           <ac:picMkLst>
             <pc:docMk/>
             <pc:sldMk cId="3693976216" sldId="276"/>
@@ -757,7 +549,7 @@
         </pc:picChg>
       </pc:sldChg>
       <pc:sldChg chg="addSp delSp modSp new mod">
-        <pc:chgData name="Chris Jenks" userId="432a57668e10b77d" providerId="LiveId" clId="{3267F855-8BB6-4E69-B691-AB02689B6037}" dt="2025-05-08T19:42:09.353" v="1281"/>
+        <pc:chgData name="Chris Jenks" userId="432a57668e10b77d" providerId="LiveId" clId="{3267F855-8BB6-4E69-B691-AB02689B6037}" dt="2025-05-12T04:07:45.439" v="2021" actId="14734"/>
         <pc:sldMkLst>
           <pc:docMk/>
           <pc:sldMk cId="1050112533" sldId="277"/>
@@ -770,38 +562,14 @@
             <ac:spMk id="2" creationId="{C3CC1628-F111-1296-51E8-25D83837F422}"/>
           </ac:spMkLst>
         </pc:spChg>
-        <pc:spChg chg="del">
-          <ac:chgData name="Chris Jenks" userId="432a57668e10b77d" providerId="LiveId" clId="{3267F855-8BB6-4E69-B691-AB02689B6037}" dt="2025-05-08T16:46:21.027" v="621"/>
-          <ac:spMkLst>
-            <pc:docMk/>
-            <pc:sldMk cId="1050112533" sldId="277"/>
-            <ac:spMk id="3" creationId="{4F56629A-4E8D-640F-AA48-BF8435815447}"/>
-          </ac:spMkLst>
-        </pc:spChg>
-        <pc:spChg chg="add del mod">
-          <ac:chgData name="Chris Jenks" userId="432a57668e10b77d" providerId="LiveId" clId="{3267F855-8BB6-4E69-B691-AB02689B6037}" dt="2025-05-08T16:48:17.652" v="629"/>
-          <ac:spMkLst>
-            <pc:docMk/>
-            <pc:sldMk cId="1050112533" sldId="277"/>
-            <ac:spMk id="7" creationId="{1D257274-08DC-E3AA-E4D8-289E64B88A76}"/>
-          </ac:spMkLst>
-        </pc:spChg>
         <pc:graphicFrameChg chg="add mod modGraphic">
-          <ac:chgData name="Chris Jenks" userId="432a57668e10b77d" providerId="LiveId" clId="{3267F855-8BB6-4E69-B691-AB02689B6037}" dt="2025-05-08T16:48:33.114" v="655" actId="14100"/>
+          <ac:chgData name="Chris Jenks" userId="432a57668e10b77d" providerId="LiveId" clId="{3267F855-8BB6-4E69-B691-AB02689B6037}" dt="2025-05-12T04:07:45.439" v="2021" actId="14734"/>
           <ac:graphicFrameMkLst>
             <pc:docMk/>
             <pc:sldMk cId="1050112533" sldId="277"/>
             <ac:graphicFrameMk id="8" creationId="{6510EBDA-D29E-0B01-3381-9CB281ECC389}"/>
           </ac:graphicFrameMkLst>
         </pc:graphicFrameChg>
-        <pc:picChg chg="add del mod">
-          <ac:chgData name="Chris Jenks" userId="432a57668e10b77d" providerId="LiveId" clId="{3267F855-8BB6-4E69-B691-AB02689B6037}" dt="2025-05-08T16:46:21.886" v="622" actId="21"/>
-          <ac:picMkLst>
-            <pc:docMk/>
-            <pc:sldMk cId="1050112533" sldId="277"/>
-            <ac:picMk id="5" creationId="{4B6EE12D-A111-7CC3-358D-256E1D6065FB}"/>
-          </ac:picMkLst>
-        </pc:picChg>
       </pc:sldChg>
       <pc:sldChg chg="addSp delSp modSp new del mod">
         <pc:chgData name="Chris Jenks" userId="432a57668e10b77d" providerId="LiveId" clId="{3267F855-8BB6-4E69-B691-AB02689B6037}" dt="2025-05-08T19:36:39.513" v="869" actId="47"/>
@@ -809,54 +577,6 @@
           <pc:docMk/>
           <pc:sldMk cId="3370012381" sldId="278"/>
         </pc:sldMkLst>
-        <pc:spChg chg="mod">
-          <ac:chgData name="Chris Jenks" userId="432a57668e10b77d" providerId="LiveId" clId="{3267F855-8BB6-4E69-B691-AB02689B6037}" dt="2025-05-08T19:31:04.950" v="800" actId="20577"/>
-          <ac:spMkLst>
-            <pc:docMk/>
-            <pc:sldMk cId="3370012381" sldId="278"/>
-            <ac:spMk id="2" creationId="{7E1F305D-8F79-1BA9-A862-95F17EAFF516}"/>
-          </ac:spMkLst>
-        </pc:spChg>
-        <pc:spChg chg="del">
-          <ac:chgData name="Chris Jenks" userId="432a57668e10b77d" providerId="LiveId" clId="{3267F855-8BB6-4E69-B691-AB02689B6037}" dt="2025-05-08T16:48:14.389" v="627"/>
-          <ac:spMkLst>
-            <pc:docMk/>
-            <pc:sldMk cId="3370012381" sldId="278"/>
-            <ac:spMk id="3" creationId="{A44D4032-7328-EB78-0F9F-4873294335C2}"/>
-          </ac:spMkLst>
-        </pc:spChg>
-        <pc:spChg chg="add del mod">
-          <ac:chgData name="Chris Jenks" userId="432a57668e10b77d" providerId="LiveId" clId="{3267F855-8BB6-4E69-B691-AB02689B6037}" dt="2025-05-08T19:30:55.634" v="783"/>
-          <ac:spMkLst>
-            <pc:docMk/>
-            <pc:sldMk cId="3370012381" sldId="278"/>
-            <ac:spMk id="6" creationId="{994EFCA2-9007-D0BB-ADB8-A01F049644E0}"/>
-          </ac:spMkLst>
-        </pc:spChg>
-        <pc:spChg chg="add mod">
-          <ac:chgData name="Chris Jenks" userId="432a57668e10b77d" providerId="LiveId" clId="{3267F855-8BB6-4E69-B691-AB02689B6037}" dt="2025-05-08T19:32:23.055" v="809" actId="478"/>
-          <ac:spMkLst>
-            <pc:docMk/>
-            <pc:sldMk cId="3370012381" sldId="278"/>
-            <ac:spMk id="7" creationId="{2E763CDD-9179-B8BE-2A99-F7E522B6ADA2}"/>
-          </ac:spMkLst>
-        </pc:spChg>
-        <pc:graphicFrameChg chg="add del mod">
-          <ac:chgData name="Chris Jenks" userId="432a57668e10b77d" providerId="LiveId" clId="{3267F855-8BB6-4E69-B691-AB02689B6037}" dt="2025-05-08T16:48:15.696" v="628" actId="21"/>
-          <ac:graphicFrameMkLst>
-            <pc:docMk/>
-            <pc:sldMk cId="3370012381" sldId="278"/>
-            <ac:graphicFrameMk id="4" creationId="{6510EBDA-D29E-0B01-3381-9CB281ECC389}"/>
-          </ac:graphicFrameMkLst>
-        </pc:graphicFrameChg>
-        <pc:picChg chg="add del mod">
-          <ac:chgData name="Chris Jenks" userId="432a57668e10b77d" providerId="LiveId" clId="{3267F855-8BB6-4E69-B691-AB02689B6037}" dt="2025-05-08T19:32:23.055" v="809" actId="478"/>
-          <ac:picMkLst>
-            <pc:docMk/>
-            <pc:sldMk cId="3370012381" sldId="278"/>
-            <ac:picMk id="4" creationId="{A433076A-2F89-F256-F768-CB280922FDD4}"/>
-          </ac:picMkLst>
-        </pc:picChg>
       </pc:sldChg>
       <pc:sldChg chg="addSp delSp modSp new mod">
         <pc:chgData name="Chris Jenks" userId="432a57668e10b77d" providerId="LiveId" clId="{3267F855-8BB6-4E69-B691-AB02689B6037}" dt="2025-05-08T19:43:28.964" v="1291" actId="14100"/>
@@ -872,22 +592,6 @@
             <ac:spMk id="2" creationId="{E508640A-FAEF-A437-703E-092FE3F17AF8}"/>
           </ac:spMkLst>
         </pc:spChg>
-        <pc:spChg chg="add del mod">
-          <ac:chgData name="Chris Jenks" userId="432a57668e10b77d" providerId="LiveId" clId="{3267F855-8BB6-4E69-B691-AB02689B6037}" dt="2025-05-08T19:28:12.492" v="696"/>
-          <ac:spMkLst>
-            <pc:docMk/>
-            <pc:sldMk cId="3936473422" sldId="279"/>
-            <ac:spMk id="3" creationId="{0E975569-B457-10D9-E3B3-E7B0305C4DAF}"/>
-          </ac:spMkLst>
-        </pc:spChg>
-        <pc:spChg chg="add del mod">
-          <ac:chgData name="Chris Jenks" userId="432a57668e10b77d" providerId="LiveId" clId="{3267F855-8BB6-4E69-B691-AB02689B6037}" dt="2025-05-08T19:28:46.980" v="705" actId="478"/>
-          <ac:spMkLst>
-            <pc:docMk/>
-            <pc:sldMk cId="3936473422" sldId="279"/>
-            <ac:spMk id="13" creationId="{731AB1F4-7090-DECA-2E7F-E2CB1FC610F3}"/>
-          </ac:spMkLst>
-        </pc:spChg>
         <pc:picChg chg="add del mod">
           <ac:chgData name="Chris Jenks" userId="432a57668e10b77d" providerId="LiveId" clId="{3267F855-8BB6-4E69-B691-AB02689B6037}" dt="2025-05-08T19:29:00.833" v="713" actId="1076"/>
           <ac:picMkLst>
@@ -897,35 +601,11 @@
           </ac:picMkLst>
         </pc:picChg>
         <pc:picChg chg="add mod">
-          <ac:chgData name="Chris Jenks" userId="432a57668e10b77d" providerId="LiveId" clId="{3267F855-8BB6-4E69-B691-AB02689B6037}" dt="2025-05-08T19:26:25.122" v="683"/>
-          <ac:picMkLst>
-            <pc:docMk/>
-            <pc:sldMk cId="3936473422" sldId="279"/>
-            <ac:picMk id="6" creationId="{77BA7F6D-B68E-6565-A219-9DAC34ADDA03}"/>
-          </ac:picMkLst>
-        </pc:picChg>
-        <pc:picChg chg="add mod">
-          <ac:chgData name="Chris Jenks" userId="432a57668e10b77d" providerId="LiveId" clId="{3267F855-8BB6-4E69-B691-AB02689B6037}" dt="2025-05-08T19:26:29.943" v="685"/>
-          <ac:picMkLst>
-            <pc:docMk/>
-            <pc:sldMk cId="3936473422" sldId="279"/>
-            <ac:picMk id="8" creationId="{09A613F6-317B-4B7B-5D61-E18940EB1D16}"/>
-          </ac:picMkLst>
-        </pc:picChg>
-        <pc:picChg chg="add mod">
           <ac:chgData name="Chris Jenks" userId="432a57668e10b77d" providerId="LiveId" clId="{3267F855-8BB6-4E69-B691-AB02689B6037}" dt="2025-05-08T19:43:28.964" v="1291" actId="14100"/>
           <ac:picMkLst>
             <pc:docMk/>
             <pc:sldMk cId="3936473422" sldId="279"/>
             <ac:picMk id="9" creationId="{56E16B09-50D1-72DD-7F8C-08F1B898E436}"/>
-          </ac:picMkLst>
-        </pc:picChg>
-        <pc:picChg chg="add del mod">
-          <ac:chgData name="Chris Jenks" userId="432a57668e10b77d" providerId="LiveId" clId="{3267F855-8BB6-4E69-B691-AB02689B6037}" dt="2025-05-08T19:28:13.555" v="697" actId="21"/>
-          <ac:picMkLst>
-            <pc:docMk/>
-            <pc:sldMk cId="3936473422" sldId="279"/>
-            <ac:picMk id="11" creationId="{79D1851C-6D71-CF8C-E638-2CE8BFBF1081}"/>
           </ac:picMkLst>
         </pc:picChg>
         <pc:picChg chg="add mod">
@@ -943,46 +623,6 @@
           <pc:docMk/>
           <pc:sldMk cId="1424945082" sldId="280"/>
         </pc:sldMkLst>
-        <pc:spChg chg="del">
-          <ac:chgData name="Chris Jenks" userId="432a57668e10b77d" providerId="LiveId" clId="{3267F855-8BB6-4E69-B691-AB02689B6037}" dt="2025-05-08T19:23:44.737" v="665"/>
-          <ac:spMkLst>
-            <pc:docMk/>
-            <pc:sldMk cId="1424945082" sldId="280"/>
-            <ac:spMk id="3" creationId="{599BCBD0-0436-17B8-5CFD-BEE88CAA07A3}"/>
-          </ac:spMkLst>
-        </pc:spChg>
-        <pc:spChg chg="add del mod">
-          <ac:chgData name="Chris Jenks" userId="432a57668e10b77d" providerId="LiveId" clId="{3267F855-8BB6-4E69-B691-AB02689B6037}" dt="2025-05-08T19:26:32.193" v="686"/>
-          <ac:spMkLst>
-            <pc:docMk/>
-            <pc:sldMk cId="1424945082" sldId="280"/>
-            <ac:spMk id="7" creationId="{5B5BC18A-4684-8BEB-4013-8FFB72E45138}"/>
-          </ac:spMkLst>
-        </pc:spChg>
-        <pc:spChg chg="add mod">
-          <ac:chgData name="Chris Jenks" userId="432a57668e10b77d" providerId="LiveId" clId="{3267F855-8BB6-4E69-B691-AB02689B6037}" dt="2025-05-08T19:26:33.199" v="687" actId="21"/>
-          <ac:spMkLst>
-            <pc:docMk/>
-            <pc:sldMk cId="1424945082" sldId="280"/>
-            <ac:spMk id="11" creationId="{7CA4F598-31AC-B611-8203-BE4B3C42B928}"/>
-          </ac:spMkLst>
-        </pc:spChg>
-        <pc:picChg chg="add del mod">
-          <ac:chgData name="Chris Jenks" userId="432a57668e10b77d" providerId="LiveId" clId="{3267F855-8BB6-4E69-B691-AB02689B6037}" dt="2025-05-08T19:23:45.755" v="666" actId="21"/>
-          <ac:picMkLst>
-            <pc:docMk/>
-            <pc:sldMk cId="1424945082" sldId="280"/>
-            <ac:picMk id="5" creationId="{33B0D260-8024-B034-B4CD-5DE58BB5F289}"/>
-          </ac:picMkLst>
-        </pc:picChg>
-        <pc:picChg chg="add del mod">
-          <ac:chgData name="Chris Jenks" userId="432a57668e10b77d" providerId="LiveId" clId="{3267F855-8BB6-4E69-B691-AB02689B6037}" dt="2025-05-08T19:26:33.199" v="687" actId="21"/>
-          <ac:picMkLst>
-            <pc:docMk/>
-            <pc:sldMk cId="1424945082" sldId="280"/>
-            <ac:picMk id="9" creationId="{56E16B09-50D1-72DD-7F8C-08F1B898E436}"/>
-          </ac:picMkLst>
-        </pc:picChg>
       </pc:sldChg>
       <pc:sldChg chg="addSp delSp modSp new mod">
         <pc:chgData name="Chris Jenks" userId="432a57668e10b77d" providerId="LiveId" clId="{3267F855-8BB6-4E69-B691-AB02689B6037}" dt="2025-05-08T19:42:55.777" v="1290" actId="14100"/>
@@ -996,14 +636,6 @@
             <pc:docMk/>
             <pc:sldMk cId="3808305347" sldId="280"/>
             <ac:spMk id="2" creationId="{95366A92-C8F0-54B9-830D-C9D1B84C6D03}"/>
-          </ac:spMkLst>
-        </pc:spChg>
-        <pc:spChg chg="del">
-          <ac:chgData name="Chris Jenks" userId="432a57668e10b77d" providerId="LiveId" clId="{3267F855-8BB6-4E69-B691-AB02689B6037}" dt="2025-05-08T19:34:06.781" v="818"/>
-          <ac:spMkLst>
-            <pc:docMk/>
-            <pc:sldMk cId="3808305347" sldId="280"/>
-            <ac:spMk id="3" creationId="{015C33ED-B3A8-70F1-E245-358AF7B2B346}"/>
           </ac:spMkLst>
         </pc:spChg>
         <pc:picChg chg="add mod">
@@ -1045,14 +677,6 @@
             <ac:spMk id="2" creationId="{25188956-0C26-3C48-EB39-F001FA07A185}"/>
           </ac:spMkLst>
         </pc:spChg>
-        <pc:spChg chg="del">
-          <ac:chgData name="Chris Jenks" userId="432a57668e10b77d" providerId="LiveId" clId="{3267F855-8BB6-4E69-B691-AB02689B6037}" dt="2025-05-08T19:33:27.593" v="811"/>
-          <ac:spMkLst>
-            <pc:docMk/>
-            <pc:sldMk cId="1192069041" sldId="281"/>
-            <ac:spMk id="3" creationId="{78C7700E-32CE-31AD-7305-61CC8119212E}"/>
-          </ac:spMkLst>
-        </pc:spChg>
         <pc:spChg chg="add mod">
           <ac:chgData name="Chris Jenks" userId="432a57668e10b77d" providerId="LiveId" clId="{3267F855-8BB6-4E69-B691-AB02689B6037}" dt="2025-05-08T19:42:09.353" v="1281"/>
           <ac:spMkLst>
@@ -1061,14 +685,6 @@
             <ac:spMk id="7" creationId="{6D27D771-2F21-724C-B817-4DFD27437A5B}"/>
           </ac:spMkLst>
         </pc:spChg>
-        <pc:picChg chg="add del mod">
-          <ac:chgData name="Chris Jenks" userId="432a57668e10b77d" providerId="LiveId" clId="{3267F855-8BB6-4E69-B691-AB02689B6037}" dt="2025-05-08T19:33:28.455" v="812" actId="21"/>
-          <ac:picMkLst>
-            <pc:docMk/>
-            <pc:sldMk cId="1192069041" sldId="281"/>
-            <ac:picMk id="5" creationId="{D7DF3BC0-CB74-7E9E-C939-8928E475E79D}"/>
-          </ac:picMkLst>
-        </pc:picChg>
         <pc:picChg chg="add mod">
           <ac:chgData name="Chris Jenks" userId="432a57668e10b77d" providerId="LiveId" clId="{3267F855-8BB6-4E69-B691-AB02689B6037}" dt="2025-05-08T19:33:36.542" v="817" actId="14100"/>
           <ac:picMkLst>
@@ -1092,46 +708,6 @@
             <ac:spMk id="2" creationId="{18889E1C-9BA7-E2CC-F672-0FE177CE64AF}"/>
           </ac:spMkLst>
         </pc:spChg>
-        <pc:spChg chg="del">
-          <ac:chgData name="Chris Jenks" userId="432a57668e10b77d" providerId="LiveId" clId="{3267F855-8BB6-4E69-B691-AB02689B6037}" dt="2025-05-08T19:35:49.823" v="835"/>
-          <ac:spMkLst>
-            <pc:docMk/>
-            <pc:sldMk cId="2904919383" sldId="282"/>
-            <ac:spMk id="3" creationId="{D78C53AC-44BD-4E28-464E-D52648E2ED4C}"/>
-          </ac:spMkLst>
-        </pc:spChg>
-        <pc:spChg chg="add del mod">
-          <ac:chgData name="Chris Jenks" userId="432a57668e10b77d" providerId="LiveId" clId="{3267F855-8BB6-4E69-B691-AB02689B6037}" dt="2025-05-08T19:35:51.708" v="836" actId="21"/>
-          <ac:spMkLst>
-            <pc:docMk/>
-            <pc:sldMk cId="2904919383" sldId="282"/>
-            <ac:spMk id="4" creationId="{8CC09027-5F33-FF46-F294-74C31FC71705}"/>
-          </ac:spMkLst>
-        </pc:spChg>
-        <pc:spChg chg="add del mod">
-          <ac:chgData name="Chris Jenks" userId="432a57668e10b77d" providerId="LiveId" clId="{3267F855-8BB6-4E69-B691-AB02689B6037}" dt="2025-05-08T19:36:12.538" v="837"/>
-          <ac:spMkLst>
-            <pc:docMk/>
-            <pc:sldMk cId="2904919383" sldId="282"/>
-            <ac:spMk id="5" creationId="{A7658F3D-687D-DBE1-C322-98B58E69248A}"/>
-          </ac:spMkLst>
-        </pc:spChg>
-        <pc:spChg chg="add del mod">
-          <ac:chgData name="Chris Jenks" userId="432a57668e10b77d" providerId="LiveId" clId="{3267F855-8BB6-4E69-B691-AB02689B6037}" dt="2025-05-08T19:37:19.769" v="879" actId="478"/>
-          <ac:spMkLst>
-            <pc:docMk/>
-            <pc:sldMk cId="2904919383" sldId="282"/>
-            <ac:spMk id="9" creationId="{360416B1-CDB8-EDD3-8E0D-A46EA5332FA5}"/>
-          </ac:spMkLst>
-        </pc:spChg>
-        <pc:picChg chg="add del mod">
-          <ac:chgData name="Chris Jenks" userId="432a57668e10b77d" providerId="LiveId" clId="{3267F855-8BB6-4E69-B691-AB02689B6037}" dt="2025-05-08T19:36:13.330" v="838" actId="21"/>
-          <ac:picMkLst>
-            <pc:docMk/>
-            <pc:sldMk cId="2904919383" sldId="282"/>
-            <ac:picMk id="7" creationId="{DF271F41-4CEB-4867-DF93-64C227958CAA}"/>
-          </ac:picMkLst>
-        </pc:picChg>
         <pc:picChg chg="add mod">
           <ac:chgData name="Chris Jenks" userId="432a57668e10b77d" providerId="LiveId" clId="{3267F855-8BB6-4E69-B691-AB02689B6037}" dt="2025-05-08T19:37:22.525" v="880" actId="1076"/>
           <ac:picMkLst>
@@ -1142,7 +718,7 @@
         </pc:picChg>
       </pc:sldChg>
       <pc:sldChg chg="modSp new mod">
-        <pc:chgData name="Chris Jenks" userId="432a57668e10b77d" providerId="LiveId" clId="{3267F855-8BB6-4E69-B691-AB02689B6037}" dt="2025-05-08T19:44:10.940" v="1336" actId="20577"/>
+        <pc:chgData name="Chris Jenks" userId="432a57668e10b77d" providerId="LiveId" clId="{3267F855-8BB6-4E69-B691-AB02689B6037}" dt="2025-05-12T04:19:06.782" v="2109" actId="27636"/>
         <pc:sldMkLst>
           <pc:docMk/>
           <pc:sldMk cId="365894043" sldId="283"/>
@@ -1156,11 +732,34 @@
           </ac:spMkLst>
         </pc:spChg>
         <pc:spChg chg="mod">
-          <ac:chgData name="Chris Jenks" userId="432a57668e10b77d" providerId="LiveId" clId="{3267F855-8BB6-4E69-B691-AB02689B6037}" dt="2025-05-08T19:44:10.940" v="1336" actId="20577"/>
+          <ac:chgData name="Chris Jenks" userId="432a57668e10b77d" providerId="LiveId" clId="{3267F855-8BB6-4E69-B691-AB02689B6037}" dt="2025-05-12T04:19:06.782" v="2109" actId="27636"/>
           <ac:spMkLst>
             <pc:docMk/>
             <pc:sldMk cId="365894043" sldId="283"/>
             <ac:spMk id="3" creationId="{EA0D22AC-169E-9F72-6539-4EEC53F42E24}"/>
+          </ac:spMkLst>
+        </pc:spChg>
+      </pc:sldChg>
+      <pc:sldChg chg="delSp modSp new mod">
+        <pc:chgData name="Chris Jenks" userId="432a57668e10b77d" providerId="LiveId" clId="{3267F855-8BB6-4E69-B691-AB02689B6037}" dt="2025-05-12T04:10:31.260" v="2090" actId="1076"/>
+        <pc:sldMkLst>
+          <pc:docMk/>
+          <pc:sldMk cId="2036965542" sldId="284"/>
+        </pc:sldMkLst>
+        <pc:spChg chg="mod">
+          <ac:chgData name="Chris Jenks" userId="432a57668e10b77d" providerId="LiveId" clId="{3267F855-8BB6-4E69-B691-AB02689B6037}" dt="2025-05-12T04:10:31.260" v="2090" actId="1076"/>
+          <ac:spMkLst>
+            <pc:docMk/>
+            <pc:sldMk cId="2036965542" sldId="284"/>
+            <ac:spMk id="2" creationId="{4E1139B0-885D-9801-AD8B-4B078E90FE3C}"/>
+          </ac:spMkLst>
+        </pc:spChg>
+        <pc:spChg chg="del">
+          <ac:chgData name="Chris Jenks" userId="432a57668e10b77d" providerId="LiveId" clId="{3267F855-8BB6-4E69-B691-AB02689B6037}" dt="2025-05-12T04:10:26.731" v="2089" actId="478"/>
+          <ac:spMkLst>
+            <pc:docMk/>
+            <pc:sldMk cId="2036965542" sldId="284"/>
+            <ac:spMk id="3" creationId="{8913FAE6-5FB7-977B-BBDF-B72F8DAD9904}"/>
           </ac:spMkLst>
         </pc:spChg>
       </pc:sldChg>
@@ -7315,7 +6914,27 @@
           <a:p>
             <a:r>
               <a:rPr lang="en-US" dirty="0"/>
-              <a:t>Worse AUC and F1 scores than LR or LR with SMOTE</a:t>
+              <a:t>Acc decrease 0.62</a:t>
+            </a:r>
+          </a:p>
+          <a:p>
+            <a:r>
+              <a:rPr lang="en-US" dirty="0"/>
+              <a:t>Slightly worse class 0</a:t>
+            </a:r>
+          </a:p>
+          <a:p>
+            <a:r>
+              <a:rPr lang="en-US" dirty="0"/>
+              <a:t>Sig decrease in class 1: 0.42 to 0.25</a:t>
+            </a:r>
+          </a:p>
+          <a:p>
+            <a:r>
+              <a:rPr lang="en-US" dirty="0">
+                <a:effectLst/>
+              </a:rPr>
+              <a:t>This model underperforms</a:t>
             </a:r>
           </a:p>
         </p:txBody>
@@ -7454,6 +7073,36 @@
           <a:bodyPr/>
           <a:lstStyle/>
           <a:p>
+            <a:r>
+              <a:rPr lang="en-US" dirty="0"/>
+              <a:t>Acc 0.62</a:t>
+            </a:r>
+          </a:p>
+          <a:p>
+            <a:r>
+              <a:rPr lang="en-US" dirty="0"/>
+              <a:t>Improved class 0 over SVM</a:t>
+            </a:r>
+          </a:p>
+          <a:p>
+            <a:r>
+              <a:rPr lang="en-US" dirty="0"/>
+              <a:t>Improved class 1 over SVM</a:t>
+            </a:r>
+          </a:p>
+          <a:p>
+            <a:r>
+              <a:rPr lang="en-US" dirty="0"/>
+              <a:t>AUC 0.69</a:t>
+            </a:r>
+          </a:p>
+          <a:p>
+            <a:r>
+              <a:rPr lang="en-US" dirty="0"/>
+              <a:t>Better than SVM but not as good as LR</a:t>
+            </a:r>
+          </a:p>
+          <a:p>
             <a:endParaRPr lang="en-US" dirty="0"/>
           </a:p>
         </p:txBody>
@@ -7594,6 +7243,42 @@
           <a:bodyPr/>
           <a:lstStyle/>
           <a:p>
+            <a:r>
+              <a:rPr lang="en-US" dirty="0"/>
+              <a:t>Fewer false negatives</a:t>
+            </a:r>
+          </a:p>
+          <a:p>
+            <a:r>
+              <a:rPr lang="en-US" dirty="0"/>
+              <a:t>Acc 0.81</a:t>
+            </a:r>
+          </a:p>
+          <a:p>
+            <a:r>
+              <a:rPr lang="en-US" dirty="0"/>
+              <a:t>Class 0: 0.82</a:t>
+            </a:r>
+          </a:p>
+          <a:p>
+            <a:r>
+              <a:rPr lang="en-US" dirty="0"/>
+              <a:t>Class 1: 0.62</a:t>
+            </a:r>
+          </a:p>
+          <a:p>
+            <a:r>
+              <a:rPr lang="en-US" dirty="0"/>
+              <a:t>O</a:t>
+            </a:r>
+            <a:r>
+              <a:rPr lang="en-US" dirty="0">
+                <a:effectLst/>
+              </a:rPr>
+              <a:t>utperforms the others in accuracy, balance, and discriminative ability.</a:t>
+            </a:r>
+          </a:p>
+          <a:p>
             <a:endParaRPr lang="en-US" dirty="0"/>
           </a:p>
         </p:txBody>
@@ -7680,7 +7365,12 @@
             <p:ph type="title"/>
           </p:nvPr>
         </p:nvSpPr>
-        <p:spPr/>
+        <p:spPr>
+          <a:xfrm>
+            <a:off x="646111" y="452718"/>
+            <a:ext cx="10786957" cy="1400530"/>
+          </a:xfrm>
+        </p:spPr>
         <p:txBody>
           <a:bodyPr/>
           <a:lstStyle/>
@@ -7722,13 +7412,49 @@
         </p:nvSpPr>
         <p:spPr>
           <a:xfrm>
-            <a:off x="838200" y="1825625"/>
-            <a:ext cx="3071013" cy="4351338"/>
+            <a:off x="715462" y="2132471"/>
+            <a:ext cx="4574557" cy="4351338"/>
           </a:xfrm>
         </p:spPr>
         <p:txBody>
           <a:bodyPr/>
           <a:lstStyle/>
+          <a:p>
+            <a:r>
+              <a:rPr lang="en-US" dirty="0"/>
+              <a:t>Slightly more false positives</a:t>
+            </a:r>
+          </a:p>
+          <a:p>
+            <a:r>
+              <a:rPr lang="en-US" dirty="0"/>
+              <a:t>Slightly improved class 0</a:t>
+            </a:r>
+          </a:p>
+          <a:p>
+            <a:r>
+              <a:rPr lang="en-US" dirty="0"/>
+              <a:t>Slightly worse class 1</a:t>
+            </a:r>
+          </a:p>
+          <a:p>
+            <a:r>
+              <a:rPr lang="en-US" dirty="0"/>
+              <a:t>Acc 0.73</a:t>
+            </a:r>
+          </a:p>
+          <a:p>
+            <a:r>
+              <a:rPr lang="en-US" dirty="0"/>
+              <a:t>U</a:t>
+            </a:r>
+            <a:r>
+              <a:rPr lang="en-US" dirty="0">
+                <a:effectLst/>
+              </a:rPr>
+              <a:t>nderperforms the previous one, particularly in Class 1 recall and overall balance.</a:t>
+            </a:r>
+          </a:p>
           <a:p>
             <a:endParaRPr lang="en-US" dirty="0"/>
           </a:p>
@@ -7762,7 +7488,7 @@
         </p:blipFill>
         <p:spPr>
           <a:xfrm>
-            <a:off x="5929785" y="1871543"/>
+            <a:off x="5929785" y="2132471"/>
             <a:ext cx="4706007" cy="3019846"/>
           </a:xfrm>
           <a:prstGeom prst="rect">
@@ -7868,6 +7594,26 @@
         <p:txBody>
           <a:bodyPr/>
           <a:lstStyle/>
+          <a:p>
+            <a:r>
+              <a:rPr lang="en-US" dirty="0"/>
+              <a:t>Acc 0.73</a:t>
+            </a:r>
+          </a:p>
+          <a:p>
+            <a:r>
+              <a:rPr lang="en-US" dirty="0"/>
+              <a:t>AUC: 0.81</a:t>
+            </a:r>
+          </a:p>
+          <a:p>
+            <a:r>
+              <a:rPr lang="en-US" dirty="0">
+                <a:effectLst/>
+              </a:rPr>
+              <a:t>Recovers the higher accuracy and balance, with a better ROC AUC, making it one of the top performers</a:t>
+            </a:r>
+          </a:p>
           <a:p>
             <a:endParaRPr lang="en-US" dirty="0"/>
           </a:p>
@@ -8149,7 +7895,7 @@
             <p:ph idx="1"/>
             <p:extLst>
               <p:ext uri="{D42A27DB-BD31-4B8C-83A1-F6EECF244321}">
-                <p14:modId xmlns:p14="http://schemas.microsoft.com/office/powerpoint/2010/main" val="1803929284"/>
+                <p14:modId xmlns:p14="http://schemas.microsoft.com/office/powerpoint/2010/main" val="3522352504"/>
               </p:ext>
             </p:extLst>
           </p:nvPr>
@@ -8213,10 +7959,10 @@
                     <a:lstStyle/>
                     <a:p>
                       <a:r>
-                        <a:rPr lang="en-US" b="1"/>
+                        <a:rPr lang="en-US" b="1" dirty="0"/>
                         <a:t>Fold</a:t>
                       </a:r>
-                      <a:endParaRPr lang="en-US"/>
+                      <a:endParaRPr lang="en-US" dirty="0"/>
                     </a:p>
                   </a:txBody>
                   <a:tcPr anchor="ctr">
@@ -8557,7 +8303,7 @@
                     <a:lstStyle/>
                     <a:p>
                       <a:r>
-                        <a:rPr lang="en-US"/>
+                        <a:rPr lang="en-US" dirty="0"/>
                         <a:t>Fold 2</a:t>
                       </a:r>
                     </a:p>
@@ -8692,7 +8438,7 @@
                     <a:lstStyle/>
                     <a:p>
                       <a:r>
-                        <a:rPr lang="en-US"/>
+                        <a:rPr lang="en-US" dirty="0"/>
                         <a:t>0.842</a:t>
                       </a:r>
                     </a:p>
@@ -8807,7 +8553,7 @@
                     <a:lstStyle/>
                     <a:p>
                       <a:r>
-                        <a:rPr lang="en-US"/>
+                        <a:rPr lang="en-US" dirty="0"/>
                         <a:t>1.00</a:t>
                       </a:r>
                     </a:p>
@@ -8834,7 +8580,7 @@
                     <a:lstStyle/>
                     <a:p>
                       <a:r>
-                        <a:rPr lang="en-US"/>
+                        <a:rPr lang="en-US" dirty="0"/>
                         <a:t>0.92</a:t>
                       </a:r>
                     </a:p>
@@ -9418,6 +9164,69 @@
 </file>
 
 <file path=ppt/slides/slide17.xml><?xml version="1.0" encoding="utf-8"?>
+<p:sld xmlns:a="http://schemas.openxmlformats.org/drawingml/2006/main" xmlns:r="http://schemas.openxmlformats.org/officeDocument/2006/relationships" xmlns:p="http://schemas.openxmlformats.org/presentationml/2006/main">
+  <p:cSld>
+    <p:spTree>
+      <p:nvGrpSpPr>
+        <p:cNvPr id="1" name=""/>
+        <p:cNvGrpSpPr/>
+        <p:nvPr/>
+      </p:nvGrpSpPr>
+      <p:grpSpPr>
+        <a:xfrm>
+          <a:off x="0" y="0"/>
+          <a:ext cx="0" cy="0"/>
+          <a:chOff x="0" y="0"/>
+          <a:chExt cx="0" cy="0"/>
+        </a:xfrm>
+      </p:grpSpPr>
+      <p:sp>
+        <p:nvSpPr>
+          <p:cNvPr id="2" name="Title 1">
+            <a:extLst>
+              <a:ext uri="{FF2B5EF4-FFF2-40B4-BE49-F238E27FC236}">
+                <a16:creationId xmlns:a16="http://schemas.microsoft.com/office/drawing/2014/main" id="{4E1139B0-885D-9801-AD8B-4B078E90FE3C}"/>
+              </a:ext>
+            </a:extLst>
+          </p:cNvPr>
+          <p:cNvSpPr>
+            <a:spLocks noGrp="1"/>
+          </p:cNvSpPr>
+          <p:nvPr>
+            <p:ph type="title"/>
+          </p:nvPr>
+        </p:nvSpPr>
+        <p:spPr>
+          <a:xfrm>
+            <a:off x="1393638" y="2576090"/>
+            <a:ext cx="9404723" cy="1400530"/>
+          </a:xfrm>
+        </p:spPr>
+        <p:txBody>
+          <a:bodyPr/>
+          <a:lstStyle/>
+          <a:p>
+            <a:r>
+              <a:rPr lang="en-US" dirty="0"/>
+              <a:t>Create a Scoring System to Predict the Risk of Red Ablation</a:t>
+            </a:r>
+          </a:p>
+        </p:txBody>
+      </p:sp>
+    </p:spTree>
+    <p:extLst>
+      <p:ext uri="{BB962C8B-B14F-4D97-AF65-F5344CB8AC3E}">
+        <p14:creationId xmlns:p14="http://schemas.microsoft.com/office/powerpoint/2010/main" val="2036965542"/>
+      </p:ext>
+    </p:extLst>
+  </p:cSld>
+  <p:clrMapOvr>
+    <a:masterClrMapping/>
+  </p:clrMapOvr>
+</p:sld>
+</file>
+
+<file path=ppt/slides/slide18.xml><?xml version="1.0" encoding="utf-8"?>
 <p:sld xmlns:a="http://schemas.openxmlformats.org/drawingml/2006/main" xmlns:r="http://schemas.openxmlformats.org/officeDocument/2006/relationships" xmlns:p="http://schemas.openxmlformats.org/presentationml/2006/main">
   <p:cSld>
     <p:spTree>
@@ -9582,7 +9391,7 @@
 </p:sld>
 </file>
 
-<file path=ppt/slides/slide18.xml><?xml version="1.0" encoding="utf-8"?>
+<file path=ppt/slides/slide19.xml><?xml version="1.0" encoding="utf-8"?>
 <p:sld xmlns:a="http://schemas.openxmlformats.org/drawingml/2006/main" xmlns:r="http://schemas.openxmlformats.org/officeDocument/2006/relationships" xmlns:p="http://schemas.openxmlformats.org/presentationml/2006/main">
   <p:cSld>
     <p:spTree>
@@ -9698,7 +9507,99 @@
 </p:sld>
 </file>
 
-<file path=ppt/slides/slide19.xml><?xml version="1.0" encoding="utf-8"?>
+<file path=ppt/slides/slide2.xml><?xml version="1.0" encoding="utf-8"?>
+<p:sld xmlns:a="http://schemas.openxmlformats.org/drawingml/2006/main" xmlns:r="http://schemas.openxmlformats.org/officeDocument/2006/relationships" xmlns:p="http://schemas.openxmlformats.org/presentationml/2006/main">
+  <p:cSld>
+    <p:spTree>
+      <p:nvGrpSpPr>
+        <p:cNvPr id="1" name=""/>
+        <p:cNvGrpSpPr/>
+        <p:nvPr/>
+      </p:nvGrpSpPr>
+      <p:grpSpPr>
+        <a:xfrm>
+          <a:off x="0" y="0"/>
+          <a:ext cx="0" cy="0"/>
+          <a:chOff x="0" y="0"/>
+          <a:chExt cx="0" cy="0"/>
+        </a:xfrm>
+      </p:grpSpPr>
+      <p:sp>
+        <p:nvSpPr>
+          <p:cNvPr id="2" name="Title 1">
+            <a:extLst>
+              <a:ext uri="{FF2B5EF4-FFF2-40B4-BE49-F238E27FC236}">
+                <a16:creationId xmlns:a16="http://schemas.microsoft.com/office/drawing/2014/main" id="{9C56FBF8-BA92-9D81-38B2-1E9B181680D7}"/>
+              </a:ext>
+            </a:extLst>
+          </p:cNvPr>
+          <p:cNvSpPr>
+            <a:spLocks noGrp="1"/>
+          </p:cNvSpPr>
+          <p:nvPr>
+            <p:ph type="title"/>
+          </p:nvPr>
+        </p:nvSpPr>
+        <p:spPr/>
+        <p:txBody>
+          <a:bodyPr/>
+          <a:lstStyle/>
+          <a:p>
+            <a:r>
+              <a:rPr lang="en-US" dirty="0"/>
+              <a:t>Objectives</a:t>
+            </a:r>
+          </a:p>
+        </p:txBody>
+      </p:sp>
+      <p:sp>
+        <p:nvSpPr>
+          <p:cNvPr id="3" name="Content Placeholder 2">
+            <a:extLst>
+              <a:ext uri="{FF2B5EF4-FFF2-40B4-BE49-F238E27FC236}">
+                <a16:creationId xmlns:a16="http://schemas.microsoft.com/office/drawing/2014/main" id="{54856A05-6FFF-B29B-330C-79EA3B00060D}"/>
+              </a:ext>
+            </a:extLst>
+          </p:cNvPr>
+          <p:cNvSpPr>
+            <a:spLocks noGrp="1"/>
+          </p:cNvSpPr>
+          <p:nvPr>
+            <p:ph idx="1"/>
+          </p:nvPr>
+        </p:nvSpPr>
+        <p:spPr/>
+        <p:txBody>
+          <a:bodyPr/>
+          <a:lstStyle/>
+          <a:p>
+            <a:r>
+              <a:rPr lang="en-US" dirty="0"/>
+              <a:t>Predict the redo ablation outcome</a:t>
+            </a:r>
+          </a:p>
+          <a:p>
+            <a:r>
+              <a:rPr lang="en-US" dirty="0"/>
+              <a:t>Create a clinical scoring tool to predict risk of redo ablation</a:t>
+            </a:r>
+          </a:p>
+        </p:txBody>
+      </p:sp>
+    </p:spTree>
+    <p:extLst>
+      <p:ext uri="{BB962C8B-B14F-4D97-AF65-F5344CB8AC3E}">
+        <p14:creationId xmlns:p14="http://schemas.microsoft.com/office/powerpoint/2010/main" val="4100724456"/>
+      </p:ext>
+    </p:extLst>
+  </p:cSld>
+  <p:clrMapOvr>
+    <a:masterClrMapping/>
+  </p:clrMapOvr>
+</p:sld>
+</file>
+
+<file path=ppt/slides/slide20.xml><?xml version="1.0" encoding="utf-8"?>
 <p:sld xmlns:a="http://schemas.openxmlformats.org/drawingml/2006/main" xmlns:r="http://schemas.openxmlformats.org/officeDocument/2006/relationships" xmlns:p="http://schemas.openxmlformats.org/presentationml/2006/main">
   <p:cSld>
     <p:spTree>
@@ -9792,294 +9693,6 @@
 </p:sld>
 </file>
 
-<file path=ppt/slides/slide2.xml><?xml version="1.0" encoding="utf-8"?>
-<p:sld xmlns:a="http://schemas.openxmlformats.org/drawingml/2006/main" xmlns:r="http://schemas.openxmlformats.org/officeDocument/2006/relationships" xmlns:p="http://schemas.openxmlformats.org/presentationml/2006/main">
-  <p:cSld>
-    <p:spTree>
-      <p:nvGrpSpPr>
-        <p:cNvPr id="1" name=""/>
-        <p:cNvGrpSpPr/>
-        <p:nvPr/>
-      </p:nvGrpSpPr>
-      <p:grpSpPr>
-        <a:xfrm>
-          <a:off x="0" y="0"/>
-          <a:ext cx="0" cy="0"/>
-          <a:chOff x="0" y="0"/>
-          <a:chExt cx="0" cy="0"/>
-        </a:xfrm>
-      </p:grpSpPr>
-      <p:sp>
-        <p:nvSpPr>
-          <p:cNvPr id="2" name="Title 1">
-            <a:extLst>
-              <a:ext uri="{FF2B5EF4-FFF2-40B4-BE49-F238E27FC236}">
-                <a16:creationId xmlns:a16="http://schemas.microsoft.com/office/drawing/2014/main" id="{9C56FBF8-BA92-9D81-38B2-1E9B181680D7}"/>
-              </a:ext>
-            </a:extLst>
-          </p:cNvPr>
-          <p:cNvSpPr>
-            <a:spLocks noGrp="1"/>
-          </p:cNvSpPr>
-          <p:nvPr>
-            <p:ph type="title"/>
-          </p:nvPr>
-        </p:nvSpPr>
-        <p:spPr/>
-        <p:txBody>
-          <a:bodyPr/>
-          <a:lstStyle/>
-          <a:p>
-            <a:r>
-              <a:rPr lang="en-US" dirty="0"/>
-              <a:t>Objectives</a:t>
-            </a:r>
-          </a:p>
-        </p:txBody>
-      </p:sp>
-      <p:sp>
-        <p:nvSpPr>
-          <p:cNvPr id="3" name="Content Placeholder 2">
-            <a:extLst>
-              <a:ext uri="{FF2B5EF4-FFF2-40B4-BE49-F238E27FC236}">
-                <a16:creationId xmlns:a16="http://schemas.microsoft.com/office/drawing/2014/main" id="{54856A05-6FFF-B29B-330C-79EA3B00060D}"/>
-              </a:ext>
-            </a:extLst>
-          </p:cNvPr>
-          <p:cNvSpPr>
-            <a:spLocks noGrp="1"/>
-          </p:cNvSpPr>
-          <p:nvPr>
-            <p:ph idx="1"/>
-          </p:nvPr>
-        </p:nvSpPr>
-        <p:spPr/>
-        <p:txBody>
-          <a:bodyPr/>
-          <a:lstStyle/>
-          <a:p>
-            <a:r>
-              <a:rPr lang="en-US" b="0" i="0" dirty="0">
-                <a:effectLst/>
-                <a:latin typeface="system-ui"/>
-              </a:rPr>
-              <a:t>Predict Redo Ablation Using Supervised Machine Learning Build and evaluate predictive models (e.g., logistic regression, random forests, neural networks) to identify patients at risk for redo ablation</a:t>
-            </a:r>
-          </a:p>
-          <a:p>
-            <a:r>
-              <a:rPr lang="en-US" b="0" i="0" dirty="0">
-                <a:effectLst/>
-                <a:latin typeface="system-ui"/>
-              </a:rPr>
-              <a:t>Develop a Clinically Interpretable Risk Score Derive and validate a point-based clinical risk score from model features to aid clinicians in assessing the likelihood of redo ablation, facilitating real-time decision-making and patient stratification</a:t>
-            </a:r>
-            <a:endParaRPr lang="en-US" dirty="0"/>
-          </a:p>
-        </p:txBody>
-      </p:sp>
-    </p:spTree>
-    <p:extLst>
-      <p:ext uri="{BB962C8B-B14F-4D97-AF65-F5344CB8AC3E}">
-        <p14:creationId xmlns:p14="http://schemas.microsoft.com/office/powerpoint/2010/main" val="4100724456"/>
-      </p:ext>
-    </p:extLst>
-  </p:cSld>
-  <p:clrMapOvr>
-    <a:masterClrMapping/>
-  </p:clrMapOvr>
-</p:sld>
-</file>
-
-<file path=ppt/slides/slide20.xml><?xml version="1.0" encoding="utf-8"?>
-<p:sld xmlns:a="http://schemas.openxmlformats.org/drawingml/2006/main" xmlns:r="http://schemas.openxmlformats.org/officeDocument/2006/relationships" xmlns:p="http://schemas.openxmlformats.org/presentationml/2006/main">
-  <p:cSld>
-    <p:spTree>
-      <p:nvGrpSpPr>
-        <p:cNvPr id="1" name=""/>
-        <p:cNvGrpSpPr/>
-        <p:nvPr/>
-      </p:nvGrpSpPr>
-      <p:grpSpPr>
-        <a:xfrm>
-          <a:off x="0" y="0"/>
-          <a:ext cx="0" cy="0"/>
-          <a:chOff x="0" y="0"/>
-          <a:chExt cx="0" cy="0"/>
-        </a:xfrm>
-      </p:grpSpPr>
-      <p:sp>
-        <p:nvSpPr>
-          <p:cNvPr id="2" name="Title 1">
-            <a:extLst>
-              <a:ext uri="{FF2B5EF4-FFF2-40B4-BE49-F238E27FC236}">
-                <a16:creationId xmlns:a16="http://schemas.microsoft.com/office/drawing/2014/main" id="{4A08501A-9CC2-8BFD-1BD4-BFAE4BC946F3}"/>
-              </a:ext>
-            </a:extLst>
-          </p:cNvPr>
-          <p:cNvSpPr>
-            <a:spLocks noGrp="1"/>
-          </p:cNvSpPr>
-          <p:nvPr>
-            <p:ph type="title"/>
-          </p:nvPr>
-        </p:nvSpPr>
-        <p:spPr/>
-        <p:txBody>
-          <a:bodyPr/>
-          <a:lstStyle/>
-          <a:p>
-            <a:r>
-              <a:rPr lang="en-US" dirty="0"/>
-              <a:t>Summary</a:t>
-            </a:r>
-          </a:p>
-        </p:txBody>
-      </p:sp>
-      <p:sp>
-        <p:nvSpPr>
-          <p:cNvPr id="3" name="Content Placeholder 2">
-            <a:extLst>
-              <a:ext uri="{FF2B5EF4-FFF2-40B4-BE49-F238E27FC236}">
-                <a16:creationId xmlns:a16="http://schemas.microsoft.com/office/drawing/2014/main" id="{EA0D22AC-169E-9F72-6539-4EEC53F42E24}"/>
-              </a:ext>
-            </a:extLst>
-          </p:cNvPr>
-          <p:cNvSpPr>
-            <a:spLocks noGrp="1"/>
-          </p:cNvSpPr>
-          <p:nvPr>
-            <p:ph idx="1"/>
-          </p:nvPr>
-        </p:nvSpPr>
-        <p:spPr/>
-        <p:txBody>
-          <a:bodyPr>
-            <a:normAutofit fontScale="77500" lnSpcReduction="20000"/>
-          </a:bodyPr>
-          <a:lstStyle/>
-          <a:p>
-            <a:r>
-              <a:rPr lang="en-US" dirty="0"/>
-              <a:t>Predict Redo Ablation</a:t>
-            </a:r>
-          </a:p>
-          <a:p>
-            <a:pPr lvl="1"/>
-            <a:r>
-              <a:rPr lang="en-US"/>
-              <a:t>PVI</a:t>
-            </a:r>
-            <a:r>
-              <a:rPr lang="en-US" dirty="0"/>
-              <a:t>, CTI, </a:t>
-            </a:r>
-            <a:r>
-              <a:rPr lang="en-US" dirty="0" err="1"/>
-              <a:t>Vasc</a:t>
-            </a:r>
-            <a:r>
-              <a:rPr lang="en-US" dirty="0"/>
-              <a:t> dx, Holter after ablation for AF, Holter for palpitation, AF non AF type</a:t>
-            </a:r>
-          </a:p>
-          <a:p>
-            <a:pPr marL="457200" lvl="1" indent="0">
-              <a:buNone/>
-            </a:pPr>
-            <a:endParaRPr lang="en-US" dirty="0"/>
-          </a:p>
-          <a:p>
-            <a:r>
-              <a:rPr lang="en-US" dirty="0"/>
-              <a:t>Develop a Scoring System to Predict Redo Ablations by Risk</a:t>
-            </a:r>
-          </a:p>
-          <a:p>
-            <a:pPr lvl="1"/>
-            <a:r>
-              <a:rPr lang="en-US" dirty="0"/>
-              <a:t>Risk of Redo</a:t>
-            </a:r>
-          </a:p>
-          <a:p>
-            <a:pPr lvl="2"/>
-            <a:r>
-              <a:rPr lang="en-US" dirty="0"/>
-              <a:t>Low		0% risk of redo</a:t>
-            </a:r>
-          </a:p>
-          <a:p>
-            <a:pPr lvl="2"/>
-            <a:r>
-              <a:rPr lang="en-US" dirty="0"/>
-              <a:t>Moderate	35% risk of redo</a:t>
-            </a:r>
-          </a:p>
-          <a:p>
-            <a:pPr lvl="2"/>
-            <a:r>
-              <a:rPr lang="en-US" dirty="0"/>
-              <a:t>High 		64% risk of redo</a:t>
-            </a:r>
-          </a:p>
-          <a:p>
-            <a:pPr lvl="1"/>
-            <a:r>
-              <a:rPr lang="en-US" dirty="0"/>
-              <a:t>Scoring system</a:t>
-            </a:r>
-          </a:p>
-          <a:p>
-            <a:pPr lvl="2"/>
-            <a:r>
-              <a:rPr lang="en-US" dirty="0"/>
-              <a:t>Base			+2</a:t>
-            </a:r>
-          </a:p>
-          <a:p>
-            <a:pPr lvl="2"/>
-            <a:r>
-              <a:rPr lang="en-US" dirty="0"/>
-              <a:t>PVI			+5</a:t>
-            </a:r>
-          </a:p>
-          <a:p>
-            <a:pPr lvl="2"/>
-            <a:r>
-              <a:rPr lang="en-US" dirty="0"/>
-              <a:t>AF duration &gt;= 1 yr	+4</a:t>
-            </a:r>
-          </a:p>
-          <a:p>
-            <a:pPr lvl="2"/>
-            <a:r>
-              <a:rPr lang="en-US" dirty="0"/>
-              <a:t>LAD &gt;= 35 mm		- 1</a:t>
-            </a:r>
-          </a:p>
-          <a:p>
-            <a:pPr lvl="2"/>
-            <a:r>
-              <a:rPr lang="en-US" dirty="0"/>
-              <a:t>Age &gt;= 70 years	- 1</a:t>
-            </a:r>
-          </a:p>
-        </p:txBody>
-      </p:sp>
-    </p:spTree>
-    <p:extLst>
-      <p:ext uri="{BB962C8B-B14F-4D97-AF65-F5344CB8AC3E}">
-        <p14:creationId xmlns:p14="http://schemas.microsoft.com/office/powerpoint/2010/main" val="365894043"/>
-      </p:ext>
-    </p:extLst>
-  </p:cSld>
-  <p:clrMapOvr>
-    <a:masterClrMapping/>
-  </p:clrMapOvr>
-</p:sld>
-</file>
-
 <file path=ppt/slides/slide21.xml><?xml version="1.0" encoding="utf-8"?>
 <p:sld xmlns:a="http://schemas.openxmlformats.org/drawingml/2006/main" xmlns:r="http://schemas.openxmlformats.org/officeDocument/2006/relationships" xmlns:p="http://schemas.openxmlformats.org/presentationml/2006/main">
   <p:cSld>
@@ -10102,7 +9715,7 @@
           <p:cNvPr id="2" name="Title 1">
             <a:extLst>
               <a:ext uri="{FF2B5EF4-FFF2-40B4-BE49-F238E27FC236}">
-                <a16:creationId xmlns:a16="http://schemas.microsoft.com/office/drawing/2014/main" id="{27AB4BFF-6BB1-84E0-3C66-382474DE9514}"/>
+                <a16:creationId xmlns:a16="http://schemas.microsoft.com/office/drawing/2014/main" id="{4A08501A-9CC2-8BFD-1BD4-BFAE4BC946F3}"/>
               </a:ext>
             </a:extLst>
           </p:cNvPr>
@@ -10119,10 +9732,9 @@
           <a:lstStyle/>
           <a:p>
             <a:r>
-              <a:rPr lang="en-US" dirty="0" err="1"/>
-              <a:t>Github</a:t>
-            </a:r>
-            <a:endParaRPr lang="en-US" dirty="0"/>
+              <a:rPr lang="en-US" dirty="0"/>
+              <a:t>Summary</a:t>
+            </a:r>
           </a:p>
         </p:txBody>
       </p:sp>
@@ -10131,7 +9743,7 @@
           <p:cNvPr id="3" name="Content Placeholder 2">
             <a:extLst>
               <a:ext uri="{FF2B5EF4-FFF2-40B4-BE49-F238E27FC236}">
-                <a16:creationId xmlns:a16="http://schemas.microsoft.com/office/drawing/2014/main" id="{F6DA798D-1DC3-5C56-7ACB-06D476199F87}"/>
+                <a16:creationId xmlns:a16="http://schemas.microsoft.com/office/drawing/2014/main" id="{EA0D22AC-169E-9F72-6539-4EEC53F42E24}"/>
               </a:ext>
             </a:extLst>
           </p:cNvPr>
@@ -10142,22 +9754,161 @@
             <p:ph idx="1"/>
           </p:nvPr>
         </p:nvSpPr>
-        <p:spPr/>
-        <p:txBody>
-          <a:bodyPr/>
+        <p:spPr>
+          <a:xfrm>
+            <a:off x="1103311" y="1386942"/>
+            <a:ext cx="11133693" cy="4861457"/>
+          </a:xfrm>
+        </p:spPr>
+        <p:txBody>
+          <a:bodyPr>
+            <a:normAutofit fontScale="85000" lnSpcReduction="20000"/>
+          </a:bodyPr>
           <a:lstStyle/>
           <a:p>
             <a:r>
               <a:rPr lang="en-US" dirty="0"/>
+              <a:t>Predict Redo Ablation</a:t>
+            </a:r>
+          </a:p>
+          <a:p>
+            <a:pPr lvl="1"/>
+            <a:r>
+              <a:rPr lang="en-US" dirty="0"/>
+              <a:t>PVI, CTI, </a:t>
+            </a:r>
+            <a:r>
+              <a:rPr lang="en-US" dirty="0" err="1"/>
+              <a:t>Vasc</a:t>
+            </a:r>
+            <a:r>
+              <a:rPr lang="en-US" dirty="0"/>
+              <a:t> dx, Holter after ablation for AF, Holter for palpitation, AF non-AF type</a:t>
+            </a:r>
+          </a:p>
+          <a:p>
+            <a:pPr marL="457200" lvl="1" indent="0">
+              <a:buNone/>
+            </a:pPr>
+            <a:endParaRPr lang="en-US" dirty="0"/>
+          </a:p>
+          <a:p>
+            <a:r>
+              <a:rPr lang="en-US" dirty="0"/>
+              <a:t>Develop a Scoring System to Predict Redo Ablations by Risk</a:t>
+            </a:r>
+          </a:p>
+          <a:p>
+            <a:pPr lvl="1"/>
+            <a:r>
+              <a:rPr lang="en-US" dirty="0"/>
+              <a:t>Risk of Redo</a:t>
+            </a:r>
+          </a:p>
+          <a:p>
+            <a:pPr lvl="2"/>
+            <a:r>
+              <a:rPr lang="en-US" dirty="0"/>
+              <a:t>Low		0% risk of redo</a:t>
+            </a:r>
+          </a:p>
+          <a:p>
+            <a:pPr lvl="2"/>
+            <a:r>
+              <a:rPr lang="en-US" dirty="0"/>
+              <a:t>Moderate	35% risk of redo</a:t>
+            </a:r>
+          </a:p>
+          <a:p>
+            <a:pPr lvl="2"/>
+            <a:r>
+              <a:rPr lang="en-US" dirty="0"/>
+              <a:t>High 		64% risk of redo</a:t>
+            </a:r>
+          </a:p>
+          <a:p>
+            <a:pPr lvl="1"/>
+            <a:r>
+              <a:rPr lang="en-US" dirty="0"/>
+              <a:t>Scoring system</a:t>
+            </a:r>
+          </a:p>
+          <a:p>
+            <a:pPr lvl="2"/>
+            <a:r>
+              <a:rPr lang="en-US" dirty="0"/>
+              <a:t>Base			+2</a:t>
+            </a:r>
+          </a:p>
+          <a:p>
+            <a:pPr lvl="2"/>
+            <a:r>
+              <a:rPr lang="en-US" dirty="0"/>
+              <a:t>PVI			+5</a:t>
+            </a:r>
+          </a:p>
+          <a:p>
+            <a:pPr lvl="2"/>
+            <a:r>
+              <a:rPr lang="en-US" dirty="0"/>
+              <a:t>AF duration &gt;= 1 yr	+4</a:t>
+            </a:r>
+          </a:p>
+          <a:p>
+            <a:pPr lvl="2"/>
+            <a:r>
+              <a:rPr lang="en-US" dirty="0"/>
+              <a:t>LAD &gt;= 35 mm		- 1</a:t>
+            </a:r>
+          </a:p>
+          <a:p>
+            <a:pPr lvl="2"/>
+            <a:r>
+              <a:rPr lang="en-US" dirty="0"/>
+              <a:t>Age &gt;= 70 years	- 1</a:t>
+            </a:r>
+          </a:p>
+          <a:p>
+            <a:pPr algn="l"/>
+            <a:r>
+              <a:rPr lang="en-US" sz="1700" b="0" i="0" dirty="0" err="1">
+                <a:effectLst/>
+                <a:latin typeface="system-ui"/>
+              </a:rPr>
+              <a:t>Github</a:t>
+            </a:r>
+            <a:r>
+              <a:rPr lang="en-US" sz="1700" b="0" i="0" dirty="0">
+                <a:effectLst/>
+                <a:latin typeface="system-ui"/>
+              </a:rPr>
+              <a:t>: </a:t>
+            </a:r>
+            <a:r>
+              <a:rPr lang="en-US" sz="1700" b="0" i="0" u="none" strike="noStrike" dirty="0">
+                <a:solidFill>
+                  <a:srgbClr val="0969DA"/>
+                </a:solidFill>
+                <a:effectLst/>
+                <a:latin typeface="system-ui"/>
+                <a:hlinkClick r:id="rId2"/>
+              </a:rPr>
               <a:t>https://github.com/Vorlon41/Master-of-Data-Science-CU-Boulder-Colorado/tree/main/Machine%20Learning/DTSA%205509%20Introduction%20to%20Machine%20Learning%20Supervised%20Learning/Final</a:t>
             </a:r>
+            <a:endParaRPr lang="en-US" sz="1700" b="0" i="0" dirty="0">
+              <a:effectLst/>
+              <a:latin typeface="system-ui"/>
+            </a:endParaRPr>
+          </a:p>
+          <a:p>
+            <a:endParaRPr lang="en-US" dirty="0"/>
           </a:p>
         </p:txBody>
       </p:sp>
     </p:spTree>
     <p:extLst>
       <p:ext uri="{BB962C8B-B14F-4D97-AF65-F5344CB8AC3E}">
-        <p14:creationId xmlns:p14="http://schemas.microsoft.com/office/powerpoint/2010/main" val="1267806784"/>
+        <p14:creationId xmlns:p14="http://schemas.microsoft.com/office/powerpoint/2010/main" val="365894043"/>
       </p:ext>
     </p:extLst>
   </p:cSld>
@@ -10441,7 +10192,15 @@
           <a:p>
             <a:r>
               <a:rPr lang="en-US" dirty="0"/>
-              <a:t>For columns with multiple categorical values</a:t>
+              <a:t>For columns with multiple </a:t>
+            </a:r>
+            <a:r>
+              <a:rPr lang="en-US" dirty="0" err="1"/>
+              <a:t>categorigal</a:t>
+            </a:r>
+            <a:r>
+              <a:rPr lang="en-US" dirty="0"/>
+              <a:t> values</a:t>
             </a:r>
           </a:p>
           <a:p>
@@ -10700,14 +10459,14 @@
             <a:pPr lvl="1"/>
             <a:r>
               <a:rPr lang="en-US" dirty="0"/>
-              <a:t>PVI: p &lt; 0.001</a:t>
+              <a:t>PVI</a:t>
             </a:r>
           </a:p>
           <a:p>
             <a:pPr lvl="1"/>
             <a:r>
               <a:rPr lang="en-US" dirty="0"/>
-              <a:t>CTI: p &lt; 0.001</a:t>
+              <a:t>CTI</a:t>
             </a:r>
           </a:p>
           <a:p>
@@ -10718,28 +10477,28 @@
             </a:r>
             <a:r>
               <a:rPr lang="en-US" dirty="0"/>
-              <a:t> dx: p 0.0392</a:t>
+              <a:t> dx</a:t>
             </a:r>
           </a:p>
           <a:p>
             <a:pPr lvl="1"/>
             <a:r>
               <a:rPr lang="en-US" dirty="0"/>
-              <a:t>Holter after ablation for AF: p &lt; 0.001</a:t>
+              <a:t>Holter after ablation for AF</a:t>
             </a:r>
           </a:p>
           <a:p>
             <a:pPr lvl="1"/>
             <a:r>
               <a:rPr lang="en-US" dirty="0"/>
-              <a:t>Holter for palpitation: &lt; 0.001</a:t>
+              <a:t>Holter for palpitation</a:t>
             </a:r>
           </a:p>
           <a:p>
             <a:pPr lvl="1"/>
             <a:r>
               <a:rPr lang="en-US" dirty="0"/>
-              <a:t>AF non AF type: &lt; 0.001</a:t>
+              <a:t>AF non AF type</a:t>
             </a:r>
           </a:p>
         </p:txBody>
@@ -11015,6 +10774,38 @@
           <a:bodyPr/>
           <a:lstStyle/>
           <a:p>
+            <a:r>
+              <a:rPr lang="en-US" dirty="0"/>
+              <a:t>Acc: 0.65</a:t>
+            </a:r>
+          </a:p>
+          <a:p>
+            <a:r>
+              <a:rPr lang="en-US" dirty="0"/>
+              <a:t>ROC AUC: 0.78</a:t>
+            </a:r>
+          </a:p>
+          <a:p>
+            <a:r>
+              <a:rPr lang="en-US" dirty="0"/>
+              <a:t>Some miscalculation</a:t>
+            </a:r>
+          </a:p>
+          <a:p>
+            <a:r>
+              <a:rPr lang="en-US" dirty="0"/>
+              <a:t>Struggles with class 1</a:t>
+            </a:r>
+          </a:p>
+          <a:p>
+            <a:r>
+              <a:rPr lang="en-US" dirty="0">
+                <a:effectLst/>
+              </a:rPr>
+              <a:t>Decent performance</a:t>
+            </a:r>
+          </a:p>
+          <a:p>
             <a:endParaRPr lang="en-US" dirty="0"/>
           </a:p>
         </p:txBody>
@@ -11145,14 +10936,46 @@
           <a:p>
             <a:r>
               <a:rPr lang="en-US" dirty="0"/>
-              <a:t>A little worse AUC</a:t>
+              <a:t>ROC AUC 0.73</a:t>
             </a:r>
           </a:p>
           <a:p>
             <a:r>
               <a:rPr lang="en-US" dirty="0"/>
-              <a:t>Similar PR F1 scores</a:t>
-            </a:r>
+              <a:t>Slight improvement in class 1</a:t>
+            </a:r>
+          </a:p>
+          <a:p>
+            <a:r>
+              <a:rPr lang="it-IT" dirty="0"/>
+              <a:t>M</a:t>
+            </a:r>
+            <a:r>
+              <a:rPr lang="it-IT" dirty="0">
+                <a:effectLst/>
+              </a:rPr>
+              <a:t>inor decline in discriminative ability (decreased AUC)</a:t>
+            </a:r>
+          </a:p>
+          <a:p>
+            <a:r>
+              <a:rPr lang="en-US" dirty="0"/>
+              <a:t>M</a:t>
+            </a:r>
+            <a:r>
+              <a:rPr lang="en-US" dirty="0">
+                <a:effectLst/>
+              </a:rPr>
+              <a:t>arginal gains</a:t>
+            </a:r>
+          </a:p>
+          <a:p>
+            <a:endParaRPr lang="it-IT" dirty="0">
+              <a:effectLst/>
+            </a:endParaRPr>
+          </a:p>
+          <a:p>
+            <a:endParaRPr lang="en-US" dirty="0"/>
           </a:p>
         </p:txBody>
       </p:sp>

--- a/Machine Learning/DTSA 5509 Introduction to Machine Learning Supervised Learning/Final/DTSA 5509 Supervised Learning Project.pptx
+++ b/Machine Learning/DTSA 5509 Introduction to Machine Learning Supervised Learning/Final/DTSA 5509 Supervised Learning Project.pptx
@@ -132,642 +132,6 @@
 </p:presentation>
 </file>
 
-<file path=ppt/changesInfos/changesInfo1.xml><?xml version="1.0" encoding="utf-8"?>
-<pc:chgInfo xmlns:a="http://schemas.openxmlformats.org/drawingml/2006/main" xmlns:r="http://schemas.openxmlformats.org/officeDocument/2006/relationships" xmlns:ac="http://schemas.microsoft.com/office/drawing/2013/main/command" xmlns:pc="http://schemas.microsoft.com/office/powerpoint/2013/main/command">
-  <pc:docChgLst>
-    <pc:chgData name="Chris Jenks" userId="432a57668e10b77d" providerId="LiveId" clId="{3267F855-8BB6-4E69-B691-AB02689B6037}"/>
-    <pc:docChg chg="undo custSel addSld delSld modSld">
-      <pc:chgData name="Chris Jenks" userId="432a57668e10b77d" providerId="LiveId" clId="{3267F855-8BB6-4E69-B691-AB02689B6037}" dt="2025-05-12T04:19:06.782" v="2109" actId="27636"/>
-      <pc:docMkLst>
-        <pc:docMk/>
-      </pc:docMkLst>
-      <pc:sldChg chg="modSp mod">
-        <pc:chgData name="Chris Jenks" userId="432a57668e10b77d" providerId="LiveId" clId="{3267F855-8BB6-4E69-B691-AB02689B6037}" dt="2025-05-08T19:42:29.131" v="1288" actId="27636"/>
-        <pc:sldMkLst>
-          <pc:docMk/>
-          <pc:sldMk cId="2414853202" sldId="256"/>
-        </pc:sldMkLst>
-        <pc:spChg chg="mod">
-          <ac:chgData name="Chris Jenks" userId="432a57668e10b77d" providerId="LiveId" clId="{3267F855-8BB6-4E69-B691-AB02689B6037}" dt="2025-05-08T19:42:09.353" v="1281"/>
-          <ac:spMkLst>
-            <pc:docMk/>
-            <pc:sldMk cId="2414853202" sldId="256"/>
-            <ac:spMk id="2" creationId="{589565EF-91AE-7FAC-17C3-139FE439E603}"/>
-          </ac:spMkLst>
-        </pc:spChg>
-        <pc:spChg chg="mod">
-          <ac:chgData name="Chris Jenks" userId="432a57668e10b77d" providerId="LiveId" clId="{3267F855-8BB6-4E69-B691-AB02689B6037}" dt="2025-05-08T19:42:29.131" v="1288" actId="27636"/>
-          <ac:spMkLst>
-            <pc:docMk/>
-            <pc:sldMk cId="2414853202" sldId="256"/>
-            <ac:spMk id="3" creationId="{E4A80C1E-A4BC-9A7C-E35C-20C6587A5C13}"/>
-          </ac:spMkLst>
-        </pc:spChg>
-      </pc:sldChg>
-      <pc:sldChg chg="modSp">
-        <pc:chgData name="Chris Jenks" userId="432a57668e10b77d" providerId="LiveId" clId="{3267F855-8BB6-4E69-B691-AB02689B6037}" dt="2025-05-08T19:42:09.353" v="1281"/>
-        <pc:sldMkLst>
-          <pc:docMk/>
-          <pc:sldMk cId="4100724456" sldId="257"/>
-        </pc:sldMkLst>
-        <pc:spChg chg="mod">
-          <ac:chgData name="Chris Jenks" userId="432a57668e10b77d" providerId="LiveId" clId="{3267F855-8BB6-4E69-B691-AB02689B6037}" dt="2025-05-08T19:42:09.353" v="1281"/>
-          <ac:spMkLst>
-            <pc:docMk/>
-            <pc:sldMk cId="4100724456" sldId="257"/>
-            <ac:spMk id="2" creationId="{9C56FBF8-BA92-9D81-38B2-1E9B181680D7}"/>
-          </ac:spMkLst>
-        </pc:spChg>
-        <pc:spChg chg="mod">
-          <ac:chgData name="Chris Jenks" userId="432a57668e10b77d" providerId="LiveId" clId="{3267F855-8BB6-4E69-B691-AB02689B6037}" dt="2025-05-08T19:42:09.353" v="1281"/>
-          <ac:spMkLst>
-            <pc:docMk/>
-            <pc:sldMk cId="4100724456" sldId="257"/>
-            <ac:spMk id="3" creationId="{54856A05-6FFF-B29B-330C-79EA3B00060D}"/>
-          </ac:spMkLst>
-        </pc:spChg>
-      </pc:sldChg>
-      <pc:sldChg chg="modSp">
-        <pc:chgData name="Chris Jenks" userId="432a57668e10b77d" providerId="LiveId" clId="{3267F855-8BB6-4E69-B691-AB02689B6037}" dt="2025-05-08T19:42:09.353" v="1281"/>
-        <pc:sldMkLst>
-          <pc:docMk/>
-          <pc:sldMk cId="1480082272" sldId="258"/>
-        </pc:sldMkLst>
-        <pc:spChg chg="mod">
-          <ac:chgData name="Chris Jenks" userId="432a57668e10b77d" providerId="LiveId" clId="{3267F855-8BB6-4E69-B691-AB02689B6037}" dt="2025-05-08T19:42:09.353" v="1281"/>
-          <ac:spMkLst>
-            <pc:docMk/>
-            <pc:sldMk cId="1480082272" sldId="258"/>
-            <ac:spMk id="2" creationId="{1101C489-32DE-955F-C0DB-21DF78410F76}"/>
-          </ac:spMkLst>
-        </pc:spChg>
-        <pc:spChg chg="mod">
-          <ac:chgData name="Chris Jenks" userId="432a57668e10b77d" providerId="LiveId" clId="{3267F855-8BB6-4E69-B691-AB02689B6037}" dt="2025-05-08T19:42:09.353" v="1281"/>
-          <ac:spMkLst>
-            <pc:docMk/>
-            <pc:sldMk cId="1480082272" sldId="258"/>
-            <ac:spMk id="3" creationId="{C67A8E26-83EA-0BA9-8B48-3FAE784787F4}"/>
-          </ac:spMkLst>
-        </pc:spChg>
-      </pc:sldChg>
-      <pc:sldChg chg="modSp mod">
-        <pc:chgData name="Chris Jenks" userId="432a57668e10b77d" providerId="LiveId" clId="{3267F855-8BB6-4E69-B691-AB02689B6037}" dt="2025-05-08T19:42:09.482" v="1283" actId="27636"/>
-        <pc:sldMkLst>
-          <pc:docMk/>
-          <pc:sldMk cId="2092780844" sldId="259"/>
-        </pc:sldMkLst>
-        <pc:spChg chg="mod">
-          <ac:chgData name="Chris Jenks" userId="432a57668e10b77d" providerId="LiveId" clId="{3267F855-8BB6-4E69-B691-AB02689B6037}" dt="2025-05-08T19:42:09.353" v="1281"/>
-          <ac:spMkLst>
-            <pc:docMk/>
-            <pc:sldMk cId="2092780844" sldId="259"/>
-            <ac:spMk id="2" creationId="{4119935F-E692-CD3D-87AA-B29E2C431D22}"/>
-          </ac:spMkLst>
-        </pc:spChg>
-        <pc:spChg chg="mod">
-          <ac:chgData name="Chris Jenks" userId="432a57668e10b77d" providerId="LiveId" clId="{3267F855-8BB6-4E69-B691-AB02689B6037}" dt="2025-05-08T19:42:09.482" v="1283" actId="27636"/>
-          <ac:spMkLst>
-            <pc:docMk/>
-            <pc:sldMk cId="2092780844" sldId="259"/>
-            <ac:spMk id="3" creationId="{C49D8FB8-3A2B-FCC2-23DB-D51E75B9C9BE}"/>
-          </ac:spMkLst>
-        </pc:spChg>
-      </pc:sldChg>
-      <pc:sldChg chg="modSp">
-        <pc:chgData name="Chris Jenks" userId="432a57668e10b77d" providerId="LiveId" clId="{3267F855-8BB6-4E69-B691-AB02689B6037}" dt="2025-05-08T19:42:09.353" v="1281"/>
-        <pc:sldMkLst>
-          <pc:docMk/>
-          <pc:sldMk cId="1269555363" sldId="260"/>
-        </pc:sldMkLst>
-        <pc:spChg chg="mod">
-          <ac:chgData name="Chris Jenks" userId="432a57668e10b77d" providerId="LiveId" clId="{3267F855-8BB6-4E69-B691-AB02689B6037}" dt="2025-05-08T19:42:09.353" v="1281"/>
-          <ac:spMkLst>
-            <pc:docMk/>
-            <pc:sldMk cId="1269555363" sldId="260"/>
-            <ac:spMk id="2" creationId="{9D6FB283-86F4-9D5A-C65E-17401A47E6EA}"/>
-          </ac:spMkLst>
-        </pc:spChg>
-      </pc:sldChg>
-      <pc:sldChg chg="addSp modSp mod">
-        <pc:chgData name="Chris Jenks" userId="432a57668e10b77d" providerId="LiveId" clId="{3267F855-8BB6-4E69-B691-AB02689B6037}" dt="2025-05-08T19:42:09.353" v="1281"/>
-        <pc:sldMkLst>
-          <pc:docMk/>
-          <pc:sldMk cId="3332861739" sldId="261"/>
-        </pc:sldMkLst>
-        <pc:spChg chg="mod">
-          <ac:chgData name="Chris Jenks" userId="432a57668e10b77d" providerId="LiveId" clId="{3267F855-8BB6-4E69-B691-AB02689B6037}" dt="2025-05-08T19:42:09.353" v="1281"/>
-          <ac:spMkLst>
-            <pc:docMk/>
-            <pc:sldMk cId="3332861739" sldId="261"/>
-            <ac:spMk id="2" creationId="{89C69A6F-A106-1139-D0BF-0C64D5F39336}"/>
-          </ac:spMkLst>
-        </pc:spChg>
-        <pc:spChg chg="mod">
-          <ac:chgData name="Chris Jenks" userId="432a57668e10b77d" providerId="LiveId" clId="{3267F855-8BB6-4E69-B691-AB02689B6037}" dt="2025-05-08T16:32:41.572" v="125" actId="20577"/>
-          <ac:spMkLst>
-            <pc:docMk/>
-            <pc:sldMk cId="3332861739" sldId="261"/>
-            <ac:spMk id="7" creationId="{D854E7D4-1D20-6A3B-9C03-700AD0DEAA99}"/>
-          </ac:spMkLst>
-        </pc:spChg>
-        <pc:picChg chg="add mod">
-          <ac:chgData name="Chris Jenks" userId="432a57668e10b77d" providerId="LiveId" clId="{3267F855-8BB6-4E69-B691-AB02689B6037}" dt="2025-05-08T16:31:39.649" v="6" actId="1076"/>
-          <ac:picMkLst>
-            <pc:docMk/>
-            <pc:sldMk cId="3332861739" sldId="261"/>
-            <ac:picMk id="8" creationId="{0514D26C-164B-4C36-C351-78376C0178F8}"/>
-          </ac:picMkLst>
-        </pc:picChg>
-      </pc:sldChg>
-      <pc:sldChg chg="addSp delSp modSp new del mod">
-        <pc:chgData name="Chris Jenks" userId="432a57668e10b77d" providerId="LiveId" clId="{3267F855-8BB6-4E69-B691-AB02689B6037}" dt="2025-05-08T16:34:47.837" v="187" actId="47"/>
-        <pc:sldMkLst>
-          <pc:docMk/>
-          <pc:sldMk cId="2754184460" sldId="262"/>
-        </pc:sldMkLst>
-      </pc:sldChg>
-      <pc:sldChg chg="addSp delSp modSp new del mod">
-        <pc:chgData name="Chris Jenks" userId="432a57668e10b77d" providerId="LiveId" clId="{3267F855-8BB6-4E69-B691-AB02689B6037}" dt="2025-05-08T16:38:20.588" v="292" actId="47"/>
-        <pc:sldMkLst>
-          <pc:docMk/>
-          <pc:sldMk cId="437112783" sldId="263"/>
-        </pc:sldMkLst>
-      </pc:sldChg>
-      <pc:sldChg chg="new del">
-        <pc:chgData name="Chris Jenks" userId="432a57668e10b77d" providerId="LiveId" clId="{3267F855-8BB6-4E69-B691-AB02689B6037}" dt="2025-05-08T16:34:49.034" v="188" actId="47"/>
-        <pc:sldMkLst>
-          <pc:docMk/>
-          <pc:sldMk cId="30077974" sldId="264"/>
-        </pc:sldMkLst>
-      </pc:sldChg>
-      <pc:sldChg chg="modSp add mod">
-        <pc:chgData name="Chris Jenks" userId="432a57668e10b77d" providerId="LiveId" clId="{3267F855-8BB6-4E69-B691-AB02689B6037}" dt="2025-05-08T19:42:09.353" v="1281"/>
-        <pc:sldMkLst>
-          <pc:docMk/>
-          <pc:sldMk cId="1270413996" sldId="269"/>
-        </pc:sldMkLst>
-        <pc:spChg chg="mod">
-          <ac:chgData name="Chris Jenks" userId="432a57668e10b77d" providerId="LiveId" clId="{3267F855-8BB6-4E69-B691-AB02689B6037}" dt="2025-05-08T19:42:09.353" v="1281"/>
-          <ac:spMkLst>
-            <pc:docMk/>
-            <pc:sldMk cId="1270413996" sldId="269"/>
-            <ac:spMk id="2" creationId="{A73EAE30-8F89-E797-D1BE-8632150DD0DB}"/>
-          </ac:spMkLst>
-        </pc:spChg>
-        <pc:spChg chg="mod">
-          <ac:chgData name="Chris Jenks" userId="432a57668e10b77d" providerId="LiveId" clId="{3267F855-8BB6-4E69-B691-AB02689B6037}" dt="2025-05-08T16:35:34.885" v="209" actId="14100"/>
-          <ac:spMkLst>
-            <pc:docMk/>
-            <pc:sldMk cId="1270413996" sldId="269"/>
-            <ac:spMk id="7" creationId="{BCEC4605-FC27-B6A6-0A02-74A7B1F86A0C}"/>
-          </ac:spMkLst>
-        </pc:spChg>
-        <pc:picChg chg="mod">
-          <ac:chgData name="Chris Jenks" userId="432a57668e10b77d" providerId="LiveId" clId="{3267F855-8BB6-4E69-B691-AB02689B6037}" dt="2025-05-08T16:35:38.530" v="210" actId="1076"/>
-          <ac:picMkLst>
-            <pc:docMk/>
-            <pc:sldMk cId="1270413996" sldId="269"/>
-            <ac:picMk id="8" creationId="{151EC728-CA5F-0DC2-6705-CF3FBBB5C67A}"/>
-          </ac:picMkLst>
-        </pc:picChg>
-      </pc:sldChg>
-      <pc:sldChg chg="addSp modSp new mod">
-        <pc:chgData name="Chris Jenks" userId="432a57668e10b77d" providerId="LiveId" clId="{3267F855-8BB6-4E69-B691-AB02689B6037}" dt="2025-05-12T03:54:54.175" v="1418" actId="20577"/>
-        <pc:sldMkLst>
-          <pc:docMk/>
-          <pc:sldMk cId="570593" sldId="270"/>
-        </pc:sldMkLst>
-        <pc:spChg chg="mod">
-          <ac:chgData name="Chris Jenks" userId="432a57668e10b77d" providerId="LiveId" clId="{3267F855-8BB6-4E69-B691-AB02689B6037}" dt="2025-05-08T19:42:09.353" v="1281"/>
-          <ac:spMkLst>
-            <pc:docMk/>
-            <pc:sldMk cId="570593" sldId="270"/>
-            <ac:spMk id="2" creationId="{335D4779-6119-1D78-9365-F5C921310B21}"/>
-          </ac:spMkLst>
-        </pc:spChg>
-        <pc:spChg chg="mod">
-          <ac:chgData name="Chris Jenks" userId="432a57668e10b77d" providerId="LiveId" clId="{3267F855-8BB6-4E69-B691-AB02689B6037}" dt="2025-05-12T03:54:54.175" v="1418" actId="20577"/>
-          <ac:spMkLst>
-            <pc:docMk/>
-            <pc:sldMk cId="570593" sldId="270"/>
-            <ac:spMk id="3" creationId="{1918317B-F8FA-D046-5218-529954467655}"/>
-          </ac:spMkLst>
-        </pc:spChg>
-        <pc:picChg chg="add mod">
-          <ac:chgData name="Chris Jenks" userId="432a57668e10b77d" providerId="LiveId" clId="{3267F855-8BB6-4E69-B691-AB02689B6037}" dt="2025-05-08T16:37:54.152" v="275" actId="1076"/>
-          <ac:picMkLst>
-            <pc:docMk/>
-            <pc:sldMk cId="570593" sldId="270"/>
-            <ac:picMk id="12" creationId="{984D9B1E-C26D-207A-6EB8-1156FC6558B8}"/>
-          </ac:picMkLst>
-        </pc:picChg>
-      </pc:sldChg>
-      <pc:sldChg chg="addSp delSp modSp new mod">
-        <pc:chgData name="Chris Jenks" userId="432a57668e10b77d" providerId="LiveId" clId="{3267F855-8BB6-4E69-B691-AB02689B6037}" dt="2025-05-12T03:56:46.848" v="1486" actId="20577"/>
-        <pc:sldMkLst>
-          <pc:docMk/>
-          <pc:sldMk cId="43447030" sldId="271"/>
-        </pc:sldMkLst>
-        <pc:spChg chg="mod">
-          <ac:chgData name="Chris Jenks" userId="432a57668e10b77d" providerId="LiveId" clId="{3267F855-8BB6-4E69-B691-AB02689B6037}" dt="2025-05-08T19:42:09.353" v="1281"/>
-          <ac:spMkLst>
-            <pc:docMk/>
-            <pc:sldMk cId="43447030" sldId="271"/>
-            <ac:spMk id="2" creationId="{1CB4E32B-9C7A-9983-927D-A21FE3AD4912}"/>
-          </ac:spMkLst>
-        </pc:spChg>
-        <pc:spChg chg="add del mod">
-          <ac:chgData name="Chris Jenks" userId="432a57668e10b77d" providerId="LiveId" clId="{3267F855-8BB6-4E69-B691-AB02689B6037}" dt="2025-05-12T03:56:46.848" v="1486" actId="20577"/>
-          <ac:spMkLst>
-            <pc:docMk/>
-            <pc:sldMk cId="43447030" sldId="271"/>
-            <ac:spMk id="3" creationId="{D0E0BCD8-78BA-47D3-1E5A-FF5261410542}"/>
-          </ac:spMkLst>
-        </pc:spChg>
-        <pc:picChg chg="add mod">
-          <ac:chgData name="Chris Jenks" userId="432a57668e10b77d" providerId="LiveId" clId="{3267F855-8BB6-4E69-B691-AB02689B6037}" dt="2025-05-08T16:39:24.271" v="316" actId="14100"/>
-          <ac:picMkLst>
-            <pc:docMk/>
-            <pc:sldMk cId="43447030" sldId="271"/>
-            <ac:picMk id="6" creationId="{B38D626C-2128-C4AF-78BD-0455A6C85598}"/>
-          </ac:picMkLst>
-        </pc:picChg>
-      </pc:sldChg>
-      <pc:sldChg chg="addSp delSp modSp new mod">
-        <pc:chgData name="Chris Jenks" userId="432a57668e10b77d" providerId="LiveId" clId="{3267F855-8BB6-4E69-B691-AB02689B6037}" dt="2025-05-12T03:58:32.381" v="1659" actId="20577"/>
-        <pc:sldMkLst>
-          <pc:docMk/>
-          <pc:sldMk cId="92786512" sldId="272"/>
-        </pc:sldMkLst>
-        <pc:spChg chg="mod">
-          <ac:chgData name="Chris Jenks" userId="432a57668e10b77d" providerId="LiveId" clId="{3267F855-8BB6-4E69-B691-AB02689B6037}" dt="2025-05-08T19:42:09.353" v="1281"/>
-          <ac:spMkLst>
-            <pc:docMk/>
-            <pc:sldMk cId="92786512" sldId="272"/>
-            <ac:spMk id="2" creationId="{D2890E55-577A-C81C-30EC-C89E69F6950F}"/>
-          </ac:spMkLst>
-        </pc:spChg>
-        <pc:spChg chg="add mod">
-          <ac:chgData name="Chris Jenks" userId="432a57668e10b77d" providerId="LiveId" clId="{3267F855-8BB6-4E69-B691-AB02689B6037}" dt="2025-05-12T03:58:32.381" v="1659" actId="20577"/>
-          <ac:spMkLst>
-            <pc:docMk/>
-            <pc:sldMk cId="92786512" sldId="272"/>
-            <ac:spMk id="7" creationId="{6B2B5212-5EB7-C184-39C7-5364022A341F}"/>
-          </ac:spMkLst>
-        </pc:spChg>
-        <pc:picChg chg="add mod">
-          <ac:chgData name="Chris Jenks" userId="432a57668e10b77d" providerId="LiveId" clId="{3267F855-8BB6-4E69-B691-AB02689B6037}" dt="2025-05-08T16:41:01.230" v="382" actId="1076"/>
-          <ac:picMkLst>
-            <pc:docMk/>
-            <pc:sldMk cId="92786512" sldId="272"/>
-            <ac:picMk id="8" creationId="{8495FAA4-6153-94A9-D2FA-6EFBFE878CB7}"/>
-          </ac:picMkLst>
-        </pc:picChg>
-      </pc:sldChg>
-      <pc:sldChg chg="addSp delSp modSp new mod">
-        <pc:chgData name="Chris Jenks" userId="432a57668e10b77d" providerId="LiveId" clId="{3267F855-8BB6-4E69-B691-AB02689B6037}" dt="2025-05-12T04:00:28.326" v="1785" actId="20577"/>
-        <pc:sldMkLst>
-          <pc:docMk/>
-          <pc:sldMk cId="4271447008" sldId="273"/>
-        </pc:sldMkLst>
-        <pc:spChg chg="mod">
-          <ac:chgData name="Chris Jenks" userId="432a57668e10b77d" providerId="LiveId" clId="{3267F855-8BB6-4E69-B691-AB02689B6037}" dt="2025-05-08T19:42:09.353" v="1281"/>
-          <ac:spMkLst>
-            <pc:docMk/>
-            <pc:sldMk cId="4271447008" sldId="273"/>
-            <ac:spMk id="2" creationId="{9194EA49-E8AD-7583-E072-DE40DF86F733}"/>
-          </ac:spMkLst>
-        </pc:spChg>
-        <pc:spChg chg="add mod">
-          <ac:chgData name="Chris Jenks" userId="432a57668e10b77d" providerId="LiveId" clId="{3267F855-8BB6-4E69-B691-AB02689B6037}" dt="2025-05-12T04:00:28.326" v="1785" actId="20577"/>
-          <ac:spMkLst>
-            <pc:docMk/>
-            <pc:sldMk cId="4271447008" sldId="273"/>
-            <ac:spMk id="7" creationId="{5C58389E-57F6-ED8B-901D-1CFF59E1F896}"/>
-          </ac:spMkLst>
-        </pc:spChg>
-        <pc:picChg chg="add mod">
-          <ac:chgData name="Chris Jenks" userId="432a57668e10b77d" providerId="LiveId" clId="{3267F855-8BB6-4E69-B691-AB02689B6037}" dt="2025-05-08T16:42:42.736" v="465" actId="1076"/>
-          <ac:picMkLst>
-            <pc:docMk/>
-            <pc:sldMk cId="4271447008" sldId="273"/>
-            <ac:picMk id="8" creationId="{B0FCF830-2D9C-4413-7D75-71B5C2A7CA8B}"/>
-          </ac:picMkLst>
-        </pc:picChg>
-      </pc:sldChg>
-      <pc:sldChg chg="addSp delSp modSp new mod">
-        <pc:chgData name="Chris Jenks" userId="432a57668e10b77d" providerId="LiveId" clId="{3267F855-8BB6-4E69-B691-AB02689B6037}" dt="2025-05-12T04:04:41.609" v="2017" actId="20577"/>
-        <pc:sldMkLst>
-          <pc:docMk/>
-          <pc:sldMk cId="688861258" sldId="274"/>
-        </pc:sldMkLst>
-        <pc:spChg chg="mod">
-          <ac:chgData name="Chris Jenks" userId="432a57668e10b77d" providerId="LiveId" clId="{3267F855-8BB6-4E69-B691-AB02689B6037}" dt="2025-05-08T19:42:09.496" v="1284" actId="27636"/>
-          <ac:spMkLst>
-            <pc:docMk/>
-            <pc:sldMk cId="688861258" sldId="274"/>
-            <ac:spMk id="2" creationId="{F3DDF203-67F5-0656-2981-81D93B7D5AE6}"/>
-          </ac:spMkLst>
-        </pc:spChg>
-        <pc:spChg chg="mod">
-          <ac:chgData name="Chris Jenks" userId="432a57668e10b77d" providerId="LiveId" clId="{3267F855-8BB6-4E69-B691-AB02689B6037}" dt="2025-05-12T04:04:41.609" v="2017" actId="20577"/>
-          <ac:spMkLst>
-            <pc:docMk/>
-            <pc:sldMk cId="688861258" sldId="274"/>
-            <ac:spMk id="3" creationId="{946DB398-4D7B-4306-0725-76011AA2FA6B}"/>
-          </ac:spMkLst>
-        </pc:spChg>
-        <pc:picChg chg="add del mod">
-          <ac:chgData name="Chris Jenks" userId="432a57668e10b77d" providerId="LiveId" clId="{3267F855-8BB6-4E69-B691-AB02689B6037}" dt="2025-05-08T19:25:32.420" v="681" actId="478"/>
-          <ac:picMkLst>
-            <pc:docMk/>
-            <pc:sldMk cId="688861258" sldId="274"/>
-            <ac:picMk id="5" creationId="{4B6EE12D-A111-7CC3-358D-256E1D6065FB}"/>
-          </ac:picMkLst>
-        </pc:picChg>
-      </pc:sldChg>
-      <pc:sldChg chg="addSp delSp modSp new mod">
-        <pc:chgData name="Chris Jenks" userId="432a57668e10b77d" providerId="LiveId" clId="{3267F855-8BB6-4E69-B691-AB02689B6037}" dt="2025-05-12T04:01:38.630" v="1854" actId="20577"/>
-        <pc:sldMkLst>
-          <pc:docMk/>
-          <pc:sldMk cId="3609881498" sldId="275"/>
-        </pc:sldMkLst>
-        <pc:spChg chg="mod">
-          <ac:chgData name="Chris Jenks" userId="432a57668e10b77d" providerId="LiveId" clId="{3267F855-8BB6-4E69-B691-AB02689B6037}" dt="2025-05-08T19:42:09.353" v="1281"/>
-          <ac:spMkLst>
-            <pc:docMk/>
-            <pc:sldMk cId="3609881498" sldId="275"/>
-            <ac:spMk id="2" creationId="{6777869A-25BD-3365-3C3C-07973CD61DEE}"/>
-          </ac:spMkLst>
-        </pc:spChg>
-        <pc:spChg chg="add mod">
-          <ac:chgData name="Chris Jenks" userId="432a57668e10b77d" providerId="LiveId" clId="{3267F855-8BB6-4E69-B691-AB02689B6037}" dt="2025-05-12T04:01:38.630" v="1854" actId="20577"/>
-          <ac:spMkLst>
-            <pc:docMk/>
-            <pc:sldMk cId="3609881498" sldId="275"/>
-            <ac:spMk id="7" creationId="{2135F30A-DCE7-394F-1537-C7BF7BA35F2B}"/>
-          </ac:spMkLst>
-        </pc:spChg>
-        <pc:picChg chg="add mod">
-          <ac:chgData name="Chris Jenks" userId="432a57668e10b77d" providerId="LiveId" clId="{3267F855-8BB6-4E69-B691-AB02689B6037}" dt="2025-05-08T16:43:39.146" v="495" actId="1076"/>
-          <ac:picMkLst>
-            <pc:docMk/>
-            <pc:sldMk cId="3609881498" sldId="275"/>
-            <ac:picMk id="8" creationId="{A0F97AAD-6915-D58A-8151-E04A37531084}"/>
-          </ac:picMkLst>
-        </pc:picChg>
-      </pc:sldChg>
-      <pc:sldChg chg="addSp delSp modSp new mod">
-        <pc:chgData name="Chris Jenks" userId="432a57668e10b77d" providerId="LiveId" clId="{3267F855-8BB6-4E69-B691-AB02689B6037}" dt="2025-05-12T04:09:50.764" v="2022" actId="14100"/>
-        <pc:sldMkLst>
-          <pc:docMk/>
-          <pc:sldMk cId="3693976216" sldId="276"/>
-        </pc:sldMkLst>
-        <pc:spChg chg="mod">
-          <ac:chgData name="Chris Jenks" userId="432a57668e10b77d" providerId="LiveId" clId="{3267F855-8BB6-4E69-B691-AB02689B6037}" dt="2025-05-12T04:09:50.764" v="2022" actId="14100"/>
-          <ac:spMkLst>
-            <pc:docMk/>
-            <pc:sldMk cId="3693976216" sldId="276"/>
-            <ac:spMk id="2" creationId="{3A4CB524-3B1A-D8EC-B275-8C2A97D13B85}"/>
-          </ac:spMkLst>
-        </pc:spChg>
-        <pc:spChg chg="add mod">
-          <ac:chgData name="Chris Jenks" userId="432a57668e10b77d" providerId="LiveId" clId="{3267F855-8BB6-4E69-B691-AB02689B6037}" dt="2025-05-12T04:03:38.910" v="1983" actId="1076"/>
-          <ac:spMkLst>
-            <pc:docMk/>
-            <pc:sldMk cId="3693976216" sldId="276"/>
-            <ac:spMk id="11" creationId="{F9FC162D-7439-B009-0762-EF336CDE3D2D}"/>
-          </ac:spMkLst>
-        </pc:spChg>
-        <pc:picChg chg="add mod">
-          <ac:chgData name="Chris Jenks" userId="432a57668e10b77d" providerId="LiveId" clId="{3267F855-8BB6-4E69-B691-AB02689B6037}" dt="2025-05-12T04:03:41.391" v="1984" actId="1076"/>
-          <ac:picMkLst>
-            <pc:docMk/>
-            <pc:sldMk cId="3693976216" sldId="276"/>
-            <ac:picMk id="12" creationId="{CC679264-AB16-ABF6-E429-94B4AC9E18C4}"/>
-          </ac:picMkLst>
-        </pc:picChg>
-      </pc:sldChg>
-      <pc:sldChg chg="addSp delSp modSp new mod">
-        <pc:chgData name="Chris Jenks" userId="432a57668e10b77d" providerId="LiveId" clId="{3267F855-8BB6-4E69-B691-AB02689B6037}" dt="2025-05-12T04:07:45.439" v="2021" actId="14734"/>
-        <pc:sldMkLst>
-          <pc:docMk/>
-          <pc:sldMk cId="1050112533" sldId="277"/>
-        </pc:sldMkLst>
-        <pc:spChg chg="mod">
-          <ac:chgData name="Chris Jenks" userId="432a57668e10b77d" providerId="LiveId" clId="{3267F855-8BB6-4E69-B691-AB02689B6037}" dt="2025-05-08T19:42:09.353" v="1281"/>
-          <ac:spMkLst>
-            <pc:docMk/>
-            <pc:sldMk cId="1050112533" sldId="277"/>
-            <ac:spMk id="2" creationId="{C3CC1628-F111-1296-51E8-25D83837F422}"/>
-          </ac:spMkLst>
-        </pc:spChg>
-        <pc:graphicFrameChg chg="add mod modGraphic">
-          <ac:chgData name="Chris Jenks" userId="432a57668e10b77d" providerId="LiveId" clId="{3267F855-8BB6-4E69-B691-AB02689B6037}" dt="2025-05-12T04:07:45.439" v="2021" actId="14734"/>
-          <ac:graphicFrameMkLst>
-            <pc:docMk/>
-            <pc:sldMk cId="1050112533" sldId="277"/>
-            <ac:graphicFrameMk id="8" creationId="{6510EBDA-D29E-0B01-3381-9CB281ECC389}"/>
-          </ac:graphicFrameMkLst>
-        </pc:graphicFrameChg>
-      </pc:sldChg>
-      <pc:sldChg chg="addSp delSp modSp new del mod">
-        <pc:chgData name="Chris Jenks" userId="432a57668e10b77d" providerId="LiveId" clId="{3267F855-8BB6-4E69-B691-AB02689B6037}" dt="2025-05-08T19:36:39.513" v="869" actId="47"/>
-        <pc:sldMkLst>
-          <pc:docMk/>
-          <pc:sldMk cId="3370012381" sldId="278"/>
-        </pc:sldMkLst>
-      </pc:sldChg>
-      <pc:sldChg chg="addSp delSp modSp new mod">
-        <pc:chgData name="Chris Jenks" userId="432a57668e10b77d" providerId="LiveId" clId="{3267F855-8BB6-4E69-B691-AB02689B6037}" dt="2025-05-08T19:43:28.964" v="1291" actId="14100"/>
-        <pc:sldMkLst>
-          <pc:docMk/>
-          <pc:sldMk cId="3936473422" sldId="279"/>
-        </pc:sldMkLst>
-        <pc:spChg chg="mod">
-          <ac:chgData name="Chris Jenks" userId="432a57668e10b77d" providerId="LiveId" clId="{3267F855-8BB6-4E69-B691-AB02689B6037}" dt="2025-05-08T19:42:09.353" v="1281"/>
-          <ac:spMkLst>
-            <pc:docMk/>
-            <pc:sldMk cId="3936473422" sldId="279"/>
-            <ac:spMk id="2" creationId="{E508640A-FAEF-A437-703E-092FE3F17AF8}"/>
-          </ac:spMkLst>
-        </pc:spChg>
-        <pc:picChg chg="add del mod">
-          <ac:chgData name="Chris Jenks" userId="432a57668e10b77d" providerId="LiveId" clId="{3267F855-8BB6-4E69-B691-AB02689B6037}" dt="2025-05-08T19:29:00.833" v="713" actId="1076"/>
-          <ac:picMkLst>
-            <pc:docMk/>
-            <pc:sldMk cId="3936473422" sldId="279"/>
-            <ac:picMk id="5" creationId="{33B0D260-8024-B034-B4CD-5DE58BB5F289}"/>
-          </ac:picMkLst>
-        </pc:picChg>
-        <pc:picChg chg="add mod">
-          <ac:chgData name="Chris Jenks" userId="432a57668e10b77d" providerId="LiveId" clId="{3267F855-8BB6-4E69-B691-AB02689B6037}" dt="2025-05-08T19:43:28.964" v="1291" actId="14100"/>
-          <ac:picMkLst>
-            <pc:docMk/>
-            <pc:sldMk cId="3936473422" sldId="279"/>
-            <ac:picMk id="9" creationId="{56E16B09-50D1-72DD-7F8C-08F1B898E436}"/>
-          </ac:picMkLst>
-        </pc:picChg>
-        <pc:picChg chg="add mod">
-          <ac:chgData name="Chris Jenks" userId="432a57668e10b77d" providerId="LiveId" clId="{3267F855-8BB6-4E69-B691-AB02689B6037}" dt="2025-05-08T19:28:55.484" v="711" actId="1076"/>
-          <ac:picMkLst>
-            <pc:docMk/>
-            <pc:sldMk cId="3936473422" sldId="279"/>
-            <ac:picMk id="14" creationId="{79D1851C-6D71-CF8C-E638-2CE8BFBF1081}"/>
-          </ac:picMkLst>
-        </pc:picChg>
-      </pc:sldChg>
-      <pc:sldChg chg="addSp delSp modSp new del mod">
-        <pc:chgData name="Chris Jenks" userId="432a57668e10b77d" providerId="LiveId" clId="{3267F855-8BB6-4E69-B691-AB02689B6037}" dt="2025-05-08T19:29:16.255" v="741" actId="47"/>
-        <pc:sldMkLst>
-          <pc:docMk/>
-          <pc:sldMk cId="1424945082" sldId="280"/>
-        </pc:sldMkLst>
-      </pc:sldChg>
-      <pc:sldChg chg="addSp delSp modSp new mod">
-        <pc:chgData name="Chris Jenks" userId="432a57668e10b77d" providerId="LiveId" clId="{3267F855-8BB6-4E69-B691-AB02689B6037}" dt="2025-05-08T19:42:55.777" v="1290" actId="14100"/>
-        <pc:sldMkLst>
-          <pc:docMk/>
-          <pc:sldMk cId="3808305347" sldId="280"/>
-        </pc:sldMkLst>
-        <pc:spChg chg="mod">
-          <ac:chgData name="Chris Jenks" userId="432a57668e10b77d" providerId="LiveId" clId="{3267F855-8BB6-4E69-B691-AB02689B6037}" dt="2025-05-08T19:42:09.353" v="1281"/>
-          <ac:spMkLst>
-            <pc:docMk/>
-            <pc:sldMk cId="3808305347" sldId="280"/>
-            <ac:spMk id="2" creationId="{95366A92-C8F0-54B9-830D-C9D1B84C6D03}"/>
-          </ac:spMkLst>
-        </pc:spChg>
-        <pc:picChg chg="add mod">
-          <ac:chgData name="Chris Jenks" userId="432a57668e10b77d" providerId="LiveId" clId="{3267F855-8BB6-4E69-B691-AB02689B6037}" dt="2025-05-08T19:34:54.295" v="829" actId="1076"/>
-          <ac:picMkLst>
-            <pc:docMk/>
-            <pc:sldMk cId="3808305347" sldId="280"/>
-            <ac:picMk id="5" creationId="{C94FA0E1-D444-54BF-37ED-A35AA8E9878D}"/>
-          </ac:picMkLst>
-        </pc:picChg>
-        <pc:picChg chg="add mod">
-          <ac:chgData name="Chris Jenks" userId="432a57668e10b77d" providerId="LiveId" clId="{3267F855-8BB6-4E69-B691-AB02689B6037}" dt="2025-05-08T19:42:55.777" v="1290" actId="14100"/>
-          <ac:picMkLst>
-            <pc:docMk/>
-            <pc:sldMk cId="3808305347" sldId="280"/>
-            <ac:picMk id="7" creationId="{1BCC2BA7-F854-4E0D-4968-ABC7030C90F9}"/>
-          </ac:picMkLst>
-        </pc:picChg>
-        <pc:picChg chg="add mod">
-          <ac:chgData name="Chris Jenks" userId="432a57668e10b77d" providerId="LiveId" clId="{3267F855-8BB6-4E69-B691-AB02689B6037}" dt="2025-05-08T19:35:15.968" v="833" actId="1076"/>
-          <ac:picMkLst>
-            <pc:docMk/>
-            <pc:sldMk cId="3808305347" sldId="280"/>
-            <ac:picMk id="9" creationId="{9143927B-916C-FB7A-C29C-1D300CB9E0D6}"/>
-          </ac:picMkLst>
-        </pc:picChg>
-      </pc:sldChg>
-      <pc:sldChg chg="addSp delSp modSp new mod">
-        <pc:chgData name="Chris Jenks" userId="432a57668e10b77d" providerId="LiveId" clId="{3267F855-8BB6-4E69-B691-AB02689B6037}" dt="2025-05-08T19:42:09.353" v="1281"/>
-        <pc:sldMkLst>
-          <pc:docMk/>
-          <pc:sldMk cId="1192069041" sldId="281"/>
-        </pc:sldMkLst>
-        <pc:spChg chg="mod">
-          <ac:chgData name="Chris Jenks" userId="432a57668e10b77d" providerId="LiveId" clId="{3267F855-8BB6-4E69-B691-AB02689B6037}" dt="2025-05-08T19:42:09.353" v="1281"/>
-          <ac:spMkLst>
-            <pc:docMk/>
-            <pc:sldMk cId="1192069041" sldId="281"/>
-            <ac:spMk id="2" creationId="{25188956-0C26-3C48-EB39-F001FA07A185}"/>
-          </ac:spMkLst>
-        </pc:spChg>
-        <pc:spChg chg="add mod">
-          <ac:chgData name="Chris Jenks" userId="432a57668e10b77d" providerId="LiveId" clId="{3267F855-8BB6-4E69-B691-AB02689B6037}" dt="2025-05-08T19:42:09.353" v="1281"/>
-          <ac:spMkLst>
-            <pc:docMk/>
-            <pc:sldMk cId="1192069041" sldId="281"/>
-            <ac:spMk id="7" creationId="{6D27D771-2F21-724C-B817-4DFD27437A5B}"/>
-          </ac:spMkLst>
-        </pc:spChg>
-        <pc:picChg chg="add mod">
-          <ac:chgData name="Chris Jenks" userId="432a57668e10b77d" providerId="LiveId" clId="{3267F855-8BB6-4E69-B691-AB02689B6037}" dt="2025-05-08T19:33:36.542" v="817" actId="14100"/>
-          <ac:picMkLst>
-            <pc:docMk/>
-            <pc:sldMk cId="1192069041" sldId="281"/>
-            <ac:picMk id="8" creationId="{D7DF3BC0-CB74-7E9E-C939-8928E475E79D}"/>
-          </ac:picMkLst>
-        </pc:picChg>
-      </pc:sldChg>
-      <pc:sldChg chg="addSp delSp modSp new mod">
-        <pc:chgData name="Chris Jenks" userId="432a57668e10b77d" providerId="LiveId" clId="{3267F855-8BB6-4E69-B691-AB02689B6037}" dt="2025-05-08T19:42:09.353" v="1281"/>
-        <pc:sldMkLst>
-          <pc:docMk/>
-          <pc:sldMk cId="2904919383" sldId="282"/>
-        </pc:sldMkLst>
-        <pc:spChg chg="mod">
-          <ac:chgData name="Chris Jenks" userId="432a57668e10b77d" providerId="LiveId" clId="{3267F855-8BB6-4E69-B691-AB02689B6037}" dt="2025-05-08T19:42:09.353" v="1281"/>
-          <ac:spMkLst>
-            <pc:docMk/>
-            <pc:sldMk cId="2904919383" sldId="282"/>
-            <ac:spMk id="2" creationId="{18889E1C-9BA7-E2CC-F672-0FE177CE64AF}"/>
-          </ac:spMkLst>
-        </pc:spChg>
-        <pc:picChg chg="add mod">
-          <ac:chgData name="Chris Jenks" userId="432a57668e10b77d" providerId="LiveId" clId="{3267F855-8BB6-4E69-B691-AB02689B6037}" dt="2025-05-08T19:37:22.525" v="880" actId="1076"/>
-          <ac:picMkLst>
-            <pc:docMk/>
-            <pc:sldMk cId="2904919383" sldId="282"/>
-            <ac:picMk id="10" creationId="{DF271F41-4CEB-4867-DF93-64C227958CAA}"/>
-          </ac:picMkLst>
-        </pc:picChg>
-      </pc:sldChg>
-      <pc:sldChg chg="modSp new mod">
-        <pc:chgData name="Chris Jenks" userId="432a57668e10b77d" providerId="LiveId" clId="{3267F855-8BB6-4E69-B691-AB02689B6037}" dt="2025-05-12T04:19:06.782" v="2109" actId="27636"/>
-        <pc:sldMkLst>
-          <pc:docMk/>
-          <pc:sldMk cId="365894043" sldId="283"/>
-        </pc:sldMkLst>
-        <pc:spChg chg="mod">
-          <ac:chgData name="Chris Jenks" userId="432a57668e10b77d" providerId="LiveId" clId="{3267F855-8BB6-4E69-B691-AB02689B6037}" dt="2025-05-08T19:42:09.353" v="1281"/>
-          <ac:spMkLst>
-            <pc:docMk/>
-            <pc:sldMk cId="365894043" sldId="283"/>
-            <ac:spMk id="2" creationId="{4A08501A-9CC2-8BFD-1BD4-BFAE4BC946F3}"/>
-          </ac:spMkLst>
-        </pc:spChg>
-        <pc:spChg chg="mod">
-          <ac:chgData name="Chris Jenks" userId="432a57668e10b77d" providerId="LiveId" clId="{3267F855-8BB6-4E69-B691-AB02689B6037}" dt="2025-05-12T04:19:06.782" v="2109" actId="27636"/>
-          <ac:spMkLst>
-            <pc:docMk/>
-            <pc:sldMk cId="365894043" sldId="283"/>
-            <ac:spMk id="3" creationId="{EA0D22AC-169E-9F72-6539-4EEC53F42E24}"/>
-          </ac:spMkLst>
-        </pc:spChg>
-      </pc:sldChg>
-      <pc:sldChg chg="delSp modSp new mod">
-        <pc:chgData name="Chris Jenks" userId="432a57668e10b77d" providerId="LiveId" clId="{3267F855-8BB6-4E69-B691-AB02689B6037}" dt="2025-05-12T04:10:31.260" v="2090" actId="1076"/>
-        <pc:sldMkLst>
-          <pc:docMk/>
-          <pc:sldMk cId="2036965542" sldId="284"/>
-        </pc:sldMkLst>
-        <pc:spChg chg="mod">
-          <ac:chgData name="Chris Jenks" userId="432a57668e10b77d" providerId="LiveId" clId="{3267F855-8BB6-4E69-B691-AB02689B6037}" dt="2025-05-12T04:10:31.260" v="2090" actId="1076"/>
-          <ac:spMkLst>
-            <pc:docMk/>
-            <pc:sldMk cId="2036965542" sldId="284"/>
-            <ac:spMk id="2" creationId="{4E1139B0-885D-9801-AD8B-4B078E90FE3C}"/>
-          </ac:spMkLst>
-        </pc:spChg>
-        <pc:spChg chg="del">
-          <ac:chgData name="Chris Jenks" userId="432a57668e10b77d" providerId="LiveId" clId="{3267F855-8BB6-4E69-B691-AB02689B6037}" dt="2025-05-12T04:10:26.731" v="2089" actId="478"/>
-          <ac:spMkLst>
-            <pc:docMk/>
-            <pc:sldMk cId="2036965542" sldId="284"/>
-            <ac:spMk id="3" creationId="{8913FAE6-5FB7-977B-BBDF-B72F8DAD9904}"/>
-          </ac:spMkLst>
-        </pc:spChg>
-      </pc:sldChg>
-    </pc:docChg>
-  </pc:docChgLst>
-</pc:chgInfo>
-</file>
-
 <file path=ppt/slideLayouts/slideLayout1.xml><?xml version="1.0" encoding="utf-8"?>
 <p:sldLayout xmlns:a="http://schemas.openxmlformats.org/drawingml/2006/main" xmlns:r="http://schemas.openxmlformats.org/officeDocument/2006/relationships" xmlns:p="http://schemas.openxmlformats.org/presentationml/2006/main" type="title" preserve="1">
   <p:cSld name="Title Slide">
@@ -954,7 +318,7 @@
           <a:p>
             <a:fld id="{FD2659AA-249A-4294-A136-074ADCE92F9B}" type="datetimeFigureOut">
               <a:rPr lang="en-US" smtClean="0"/>
-              <a:t>5/11/2025</a:t>
+              <a:t>5/13/2025</a:t>
             </a:fld>
             <a:endParaRPr lang="en-US"/>
           </a:p>
@@ -1229,7 +593,7 @@
           <a:p>
             <a:fld id="{FD2659AA-249A-4294-A136-074ADCE92F9B}" type="datetimeFigureOut">
               <a:rPr lang="en-US" smtClean="0"/>
-              <a:t>5/11/2025</a:t>
+              <a:t>5/13/2025</a:t>
             </a:fld>
             <a:endParaRPr lang="en-US"/>
           </a:p>
@@ -1423,7 +787,7 @@
           <a:p>
             <a:fld id="{FD2659AA-249A-4294-A136-074ADCE92F9B}" type="datetimeFigureOut">
               <a:rPr lang="en-US" smtClean="0"/>
-              <a:t>5/11/2025</a:t>
+              <a:t>5/13/2025</a:t>
             </a:fld>
             <a:endParaRPr lang="en-US"/>
           </a:p>
@@ -1696,7 +1060,7 @@
           <a:p>
             <a:fld id="{FD2659AA-249A-4294-A136-074ADCE92F9B}" type="datetimeFigureOut">
               <a:rPr lang="en-US" smtClean="0"/>
-              <a:t>5/11/2025</a:t>
+              <a:t>5/13/2025</a:t>
             </a:fld>
             <a:endParaRPr lang="en-US"/>
           </a:p>
@@ -2037,7 +1401,7 @@
           <a:p>
             <a:fld id="{FD2659AA-249A-4294-A136-074ADCE92F9B}" type="datetimeFigureOut">
               <a:rPr lang="en-US" smtClean="0"/>
-              <a:t>5/11/2025</a:t>
+              <a:t>5/13/2025</a:t>
             </a:fld>
             <a:endParaRPr lang="en-US"/>
           </a:p>
@@ -2660,7 +2024,7 @@
           <a:p>
             <a:fld id="{FD2659AA-249A-4294-A136-074ADCE92F9B}" type="datetimeFigureOut">
               <a:rPr lang="en-US" smtClean="0"/>
-              <a:t>5/11/2025</a:t>
+              <a:t>5/13/2025</a:t>
             </a:fld>
             <a:endParaRPr lang="en-US"/>
           </a:p>
@@ -3520,7 +2884,7 @@
           <a:p>
             <a:fld id="{FD2659AA-249A-4294-A136-074ADCE92F9B}" type="datetimeFigureOut">
               <a:rPr lang="en-US" smtClean="0"/>
-              <a:t>5/11/2025</a:t>
+              <a:t>5/13/2025</a:t>
             </a:fld>
             <a:endParaRPr lang="en-US"/>
           </a:p>
@@ -3690,7 +3054,7 @@
           <a:p>
             <a:fld id="{FD2659AA-249A-4294-A136-074ADCE92F9B}" type="datetimeFigureOut">
               <a:rPr lang="en-US" smtClean="0"/>
-              <a:t>5/11/2025</a:t>
+              <a:t>5/13/2025</a:t>
             </a:fld>
             <a:endParaRPr lang="en-US"/>
           </a:p>
@@ -3870,7 +3234,7 @@
           <a:p>
             <a:fld id="{FD2659AA-249A-4294-A136-074ADCE92F9B}" type="datetimeFigureOut">
               <a:rPr lang="en-US" smtClean="0"/>
-              <a:t>5/11/2025</a:t>
+              <a:t>5/13/2025</a:t>
             </a:fld>
             <a:endParaRPr lang="en-US"/>
           </a:p>
@@ -4040,7 +3404,7 @@
           <a:p>
             <a:fld id="{FD2659AA-249A-4294-A136-074ADCE92F9B}" type="datetimeFigureOut">
               <a:rPr lang="en-US" smtClean="0"/>
-              <a:t>5/11/2025</a:t>
+              <a:t>5/13/2025</a:t>
             </a:fld>
             <a:endParaRPr lang="en-US"/>
           </a:p>
@@ -4287,7 +3651,7 @@
           <a:p>
             <a:fld id="{FD2659AA-249A-4294-A136-074ADCE92F9B}" type="datetimeFigureOut">
               <a:rPr lang="en-US" smtClean="0"/>
-              <a:t>5/11/2025</a:t>
+              <a:t>5/13/2025</a:t>
             </a:fld>
             <a:endParaRPr lang="en-US"/>
           </a:p>
@@ -4579,7 +3943,7 @@
           <a:p>
             <a:fld id="{FD2659AA-249A-4294-A136-074ADCE92F9B}" type="datetimeFigureOut">
               <a:rPr lang="en-US" smtClean="0"/>
-              <a:t>5/11/2025</a:t>
+              <a:t>5/13/2025</a:t>
             </a:fld>
             <a:endParaRPr lang="en-US"/>
           </a:p>
@@ -5023,7 +4387,7 @@
           <a:p>
             <a:fld id="{FD2659AA-249A-4294-A136-074ADCE92F9B}" type="datetimeFigureOut">
               <a:rPr lang="en-US" smtClean="0"/>
-              <a:t>5/11/2025</a:t>
+              <a:t>5/13/2025</a:t>
             </a:fld>
             <a:endParaRPr lang="en-US"/>
           </a:p>
@@ -5141,7 +4505,7 @@
           <a:p>
             <a:fld id="{FD2659AA-249A-4294-A136-074ADCE92F9B}" type="datetimeFigureOut">
               <a:rPr lang="en-US" smtClean="0"/>
-              <a:t>5/11/2025</a:t>
+              <a:t>5/13/2025</a:t>
             </a:fld>
             <a:endParaRPr lang="en-US"/>
           </a:p>
@@ -5236,7 +4600,7 @@
           <a:p>
             <a:fld id="{FD2659AA-249A-4294-A136-074ADCE92F9B}" type="datetimeFigureOut">
               <a:rPr lang="en-US" smtClean="0"/>
-              <a:t>5/11/2025</a:t>
+              <a:t>5/13/2025</a:t>
             </a:fld>
             <a:endParaRPr lang="en-US"/>
           </a:p>
@@ -5515,7 +4879,7 @@
           <a:p>
             <a:fld id="{FD2659AA-249A-4294-A136-074ADCE92F9B}" type="datetimeFigureOut">
               <a:rPr lang="en-US" smtClean="0"/>
-              <a:t>5/11/2025</a:t>
+              <a:t>5/13/2025</a:t>
             </a:fld>
             <a:endParaRPr lang="en-US"/>
           </a:p>
@@ -5790,7 +5154,7 @@
           <a:p>
             <a:fld id="{FD2659AA-249A-4294-A136-074ADCE92F9B}" type="datetimeFigureOut">
               <a:rPr lang="en-US" smtClean="0"/>
-              <a:t>5/11/2025</a:t>
+              <a:t>5/13/2025</a:t>
             </a:fld>
             <a:endParaRPr lang="en-US"/>
           </a:p>
@@ -6219,7 +5583,7 @@
           <a:p>
             <a:fld id="{FD2659AA-249A-4294-A136-074ADCE92F9B}" type="datetimeFigureOut">
               <a:rPr lang="en-US" smtClean="0"/>
-              <a:t>5/11/2025</a:t>
+              <a:t>5/13/2025</a:t>
             </a:fld>
             <a:endParaRPr lang="en-US"/>
           </a:p>
@@ -9208,7 +8572,15 @@
           <a:p>
             <a:r>
               <a:rPr lang="en-US" dirty="0"/>
-              <a:t>Create a Scoring System to Predict the Risk of Red Ablation</a:t>
+              <a:t>Create a Scoring System to Predict the Risk </a:t>
+            </a:r>
+            <a:r>
+              <a:rPr lang="en-US"/>
+              <a:t>of Redo </a:t>
+            </a:r>
+            <a:r>
+              <a:rPr lang="en-US" dirty="0"/>
+              <a:t>Ablation</a:t>
             </a:r>
           </a:p>
         </p:txBody>
@@ -9837,14 +9209,14 @@
             <a:pPr lvl="2"/>
             <a:r>
               <a:rPr lang="en-US" dirty="0"/>
-              <a:t>Base			+2</a:t>
+              <a:t>Base				+2</a:t>
             </a:r>
           </a:p>
           <a:p>
             <a:pPr lvl="2"/>
             <a:r>
               <a:rPr lang="en-US" dirty="0"/>
-              <a:t>PVI			+5</a:t>
+              <a:t>PVI				+5</a:t>
             </a:r>
           </a:p>
           <a:p>
@@ -9865,7 +9237,15 @@
             <a:pPr lvl="2"/>
             <a:r>
               <a:rPr lang="en-US" dirty="0"/>
-              <a:t>Age &gt;= 70 years	- 1</a:t>
+              <a:t>Age &gt;= 70 years</a:t>
+            </a:r>
+            <a:r>
+              <a:rPr lang="en-US"/>
+              <a:t>		- </a:t>
+            </a:r>
+            <a:r>
+              <a:rPr lang="en-US" dirty="0"/>
+              <a:t>1</a:t>
             </a:r>
           </a:p>
           <a:p>
